--- a/SPRINT 9 -10 EDA/PPT Rev01.pptx
+++ b/SPRINT 9 -10 EDA/PPT Rev01.pptx
@@ -4,8 +4,17 @@
   <p:sldMasterIdLst>
     <p:sldMasterId id="2147483648" r:id="rId1"/>
   </p:sldMasterIdLst>
+  <p:notesMasterIdLst>
+    <p:notesMasterId r:id="rId9"/>
+  </p:notesMasterIdLst>
   <p:sldIdLst>
     <p:sldId id="256" r:id="rId2"/>
+    <p:sldId id="264" r:id="rId3"/>
+    <p:sldId id="260" r:id="rId4"/>
+    <p:sldId id="262" r:id="rId5"/>
+    <p:sldId id="261" r:id="rId6"/>
+    <p:sldId id="259" r:id="rId7"/>
+    <p:sldId id="258" r:id="rId8"/>
   </p:sldIdLst>
   <p:sldSz cx="12192000" cy="6858000"/>
   <p:notesSz cx="6858000" cy="9144000"/>
@@ -104,7 +113,456 @@
       </a:defRPr>
     </a:lvl9pPr>
   </p:defaultTextStyle>
+  <p:extLst>
+    <p:ext uri="{EFAFB233-063F-42B5-8137-9DF3F51BA10A}">
+      <p15:sldGuideLst xmlns:p15="http://schemas.microsoft.com/office/powerpoint/2012/main">
+        <p15:guide id="1" orient="horz" pos="2160" userDrawn="1">
+          <p15:clr>
+            <a:srgbClr val="A4A3A4"/>
+          </p15:clr>
+        </p15:guide>
+        <p15:guide id="2" pos="3840" userDrawn="1">
+          <p15:clr>
+            <a:srgbClr val="A4A3A4"/>
+          </p15:clr>
+        </p15:guide>
+      </p15:sldGuideLst>
+    </p:ext>
+  </p:extLst>
 </p:presentation>
+</file>
+
+<file path=ppt/notesMasters/notesMaster1.xml><?xml version="1.0" encoding="utf-8"?>
+<p:notesMaster xmlns:a="http://schemas.openxmlformats.org/drawingml/2006/main" xmlns:r="http://schemas.openxmlformats.org/officeDocument/2006/relationships" xmlns:p="http://schemas.openxmlformats.org/presentationml/2006/main">
+  <p:cSld>
+    <p:bg>
+      <p:bgRef idx="1001">
+        <a:schemeClr val="bg1"/>
+      </p:bgRef>
+    </p:bg>
+    <p:spTree>
+      <p:nvGrpSpPr>
+        <p:cNvPr id="1" name=""/>
+        <p:cNvGrpSpPr/>
+        <p:nvPr/>
+      </p:nvGrpSpPr>
+      <p:grpSpPr>
+        <a:xfrm>
+          <a:off x="0" y="0"/>
+          <a:ext cx="0" cy="0"/>
+          <a:chOff x="0" y="0"/>
+          <a:chExt cx="0" cy="0"/>
+        </a:xfrm>
+      </p:grpSpPr>
+      <p:sp>
+        <p:nvSpPr>
+          <p:cNvPr id="2" name="Marcador de encabezado 1"/>
+          <p:cNvSpPr>
+            <a:spLocks noGrp="1"/>
+          </p:cNvSpPr>
+          <p:nvPr>
+            <p:ph type="hdr" sz="quarter"/>
+          </p:nvPr>
+        </p:nvSpPr>
+        <p:spPr>
+          <a:xfrm>
+            <a:off x="0" y="0"/>
+            <a:ext cx="2971800" cy="458788"/>
+          </a:xfrm>
+          <a:prstGeom prst="rect">
+            <a:avLst/>
+          </a:prstGeom>
+        </p:spPr>
+        <p:txBody>
+          <a:bodyPr vert="horz" lIns="91440" tIns="45720" rIns="91440" bIns="45720" rtlCol="0"/>
+          <a:lstStyle>
+            <a:lvl1pPr algn="l">
+              <a:defRPr sz="1200"/>
+            </a:lvl1pPr>
+          </a:lstStyle>
+          <a:p>
+            <a:endParaRPr lang="es-ES"/>
+          </a:p>
+        </p:txBody>
+      </p:sp>
+      <p:sp>
+        <p:nvSpPr>
+          <p:cNvPr id="3" name="Marcador de fecha 2"/>
+          <p:cNvSpPr>
+            <a:spLocks noGrp="1"/>
+          </p:cNvSpPr>
+          <p:nvPr>
+            <p:ph type="dt" idx="1"/>
+          </p:nvPr>
+        </p:nvSpPr>
+        <p:spPr>
+          <a:xfrm>
+            <a:off x="3884613" y="0"/>
+            <a:ext cx="2971800" cy="458788"/>
+          </a:xfrm>
+          <a:prstGeom prst="rect">
+            <a:avLst/>
+          </a:prstGeom>
+        </p:spPr>
+        <p:txBody>
+          <a:bodyPr vert="horz" lIns="91440" tIns="45720" rIns="91440" bIns="45720" rtlCol="0"/>
+          <a:lstStyle>
+            <a:lvl1pPr algn="r">
+              <a:defRPr sz="1200"/>
+            </a:lvl1pPr>
+          </a:lstStyle>
+          <a:p>
+            <a:fld id="{B27CD79E-E490-40A2-988D-8E3A71520C49}" type="datetimeFigureOut">
+              <a:rPr lang="es-ES" smtClean="0"/>
+              <a:t>30/07/2024</a:t>
+            </a:fld>
+            <a:endParaRPr lang="es-ES"/>
+          </a:p>
+        </p:txBody>
+      </p:sp>
+      <p:sp>
+        <p:nvSpPr>
+          <p:cNvPr id="4" name="Marcador de imagen de diapositiva 3"/>
+          <p:cNvSpPr>
+            <a:spLocks noGrp="1" noRot="1" noChangeAspect="1"/>
+          </p:cNvSpPr>
+          <p:nvPr>
+            <p:ph type="sldImg" idx="2"/>
+          </p:nvPr>
+        </p:nvSpPr>
+        <p:spPr>
+          <a:xfrm>
+            <a:off x="685800" y="1143000"/>
+            <a:ext cx="5486400" cy="3086100"/>
+          </a:xfrm>
+          <a:prstGeom prst="rect">
+            <a:avLst/>
+          </a:prstGeom>
+          <a:noFill/>
+          <a:ln w="12700">
+            <a:solidFill>
+              <a:prstClr val="black"/>
+            </a:solidFill>
+          </a:ln>
+        </p:spPr>
+        <p:txBody>
+          <a:bodyPr vert="horz" lIns="91440" tIns="45720" rIns="91440" bIns="45720" rtlCol="0" anchor="ctr"/>
+          <a:lstStyle/>
+          <a:p>
+            <a:endParaRPr lang="es-ES"/>
+          </a:p>
+        </p:txBody>
+      </p:sp>
+      <p:sp>
+        <p:nvSpPr>
+          <p:cNvPr id="5" name="Marcador de notas 4"/>
+          <p:cNvSpPr>
+            <a:spLocks noGrp="1"/>
+          </p:cNvSpPr>
+          <p:nvPr>
+            <p:ph type="body" sz="quarter" idx="3"/>
+          </p:nvPr>
+        </p:nvSpPr>
+        <p:spPr>
+          <a:xfrm>
+            <a:off x="685800" y="4400550"/>
+            <a:ext cx="5486400" cy="3600450"/>
+          </a:xfrm>
+          <a:prstGeom prst="rect">
+            <a:avLst/>
+          </a:prstGeom>
+        </p:spPr>
+        <p:txBody>
+          <a:bodyPr vert="horz" lIns="91440" tIns="45720" rIns="91440" bIns="45720" rtlCol="0"/>
+          <a:lstStyle/>
+          <a:p>
+            <a:pPr lvl="0"/>
+            <a:r>
+              <a:rPr lang="es-ES"/>
+              <a:t>Haga clic para modificar los estilos de texto del patrón</a:t>
+            </a:r>
+          </a:p>
+          <a:p>
+            <a:pPr lvl="1"/>
+            <a:r>
+              <a:rPr lang="es-ES"/>
+              <a:t>Segundo nivel</a:t>
+            </a:r>
+          </a:p>
+          <a:p>
+            <a:pPr lvl="2"/>
+            <a:r>
+              <a:rPr lang="es-ES"/>
+              <a:t>Tercer nivel</a:t>
+            </a:r>
+          </a:p>
+          <a:p>
+            <a:pPr lvl="3"/>
+            <a:r>
+              <a:rPr lang="es-ES"/>
+              <a:t>Cuarto nivel</a:t>
+            </a:r>
+          </a:p>
+          <a:p>
+            <a:pPr lvl="4"/>
+            <a:r>
+              <a:rPr lang="es-ES"/>
+              <a:t>Quinto nivel</a:t>
+            </a:r>
+          </a:p>
+        </p:txBody>
+      </p:sp>
+      <p:sp>
+        <p:nvSpPr>
+          <p:cNvPr id="6" name="Marcador de pie de página 5"/>
+          <p:cNvSpPr>
+            <a:spLocks noGrp="1"/>
+          </p:cNvSpPr>
+          <p:nvPr>
+            <p:ph type="ftr" sz="quarter" idx="4"/>
+          </p:nvPr>
+        </p:nvSpPr>
+        <p:spPr>
+          <a:xfrm>
+            <a:off x="0" y="8685213"/>
+            <a:ext cx="2971800" cy="458787"/>
+          </a:xfrm>
+          <a:prstGeom prst="rect">
+            <a:avLst/>
+          </a:prstGeom>
+        </p:spPr>
+        <p:txBody>
+          <a:bodyPr vert="horz" lIns="91440" tIns="45720" rIns="91440" bIns="45720" rtlCol="0" anchor="b"/>
+          <a:lstStyle>
+            <a:lvl1pPr algn="l">
+              <a:defRPr sz="1200"/>
+            </a:lvl1pPr>
+          </a:lstStyle>
+          <a:p>
+            <a:endParaRPr lang="es-ES"/>
+          </a:p>
+        </p:txBody>
+      </p:sp>
+      <p:sp>
+        <p:nvSpPr>
+          <p:cNvPr id="7" name="Marcador de número de diapositiva 6"/>
+          <p:cNvSpPr>
+            <a:spLocks noGrp="1"/>
+          </p:cNvSpPr>
+          <p:nvPr>
+            <p:ph type="sldNum" sz="quarter" idx="5"/>
+          </p:nvPr>
+        </p:nvSpPr>
+        <p:spPr>
+          <a:xfrm>
+            <a:off x="3884613" y="8685213"/>
+            <a:ext cx="2971800" cy="458787"/>
+          </a:xfrm>
+          <a:prstGeom prst="rect">
+            <a:avLst/>
+          </a:prstGeom>
+        </p:spPr>
+        <p:txBody>
+          <a:bodyPr vert="horz" lIns="91440" tIns="45720" rIns="91440" bIns="45720" rtlCol="0" anchor="b"/>
+          <a:lstStyle>
+            <a:lvl1pPr algn="r">
+              <a:defRPr sz="1200"/>
+            </a:lvl1pPr>
+          </a:lstStyle>
+          <a:p>
+            <a:fld id="{08542376-FE08-412A-A973-50C543FD8767}" type="slidenum">
+              <a:rPr lang="es-ES" smtClean="0"/>
+              <a:t>‹Nº›</a:t>
+            </a:fld>
+            <a:endParaRPr lang="es-ES"/>
+          </a:p>
+        </p:txBody>
+      </p:sp>
+    </p:spTree>
+    <p:extLst>
+      <p:ext uri="{BB962C8B-B14F-4D97-AF65-F5344CB8AC3E}">
+        <p14:creationId xmlns:p14="http://schemas.microsoft.com/office/powerpoint/2010/main" val="1090900723"/>
+      </p:ext>
+    </p:extLst>
+  </p:cSld>
+  <p:clrMap bg1="lt1" tx1="dk1" bg2="lt2" tx2="dk2" accent1="accent1" accent2="accent2" accent3="accent3" accent4="accent4" accent5="accent5" accent6="accent6" hlink="hlink" folHlink="folHlink"/>
+  <p:notesStyle>
+    <a:lvl1pPr marL="0" algn="l" defTabSz="914400" rtl="0" eaLnBrk="1" latinLnBrk="0" hangingPunct="1">
+      <a:defRPr sz="1200" kern="1200">
+        <a:solidFill>
+          <a:schemeClr val="tx1"/>
+        </a:solidFill>
+        <a:latin typeface="+mn-lt"/>
+        <a:ea typeface="+mn-ea"/>
+        <a:cs typeface="+mn-cs"/>
+      </a:defRPr>
+    </a:lvl1pPr>
+    <a:lvl2pPr marL="457200" algn="l" defTabSz="914400" rtl="0" eaLnBrk="1" latinLnBrk="0" hangingPunct="1">
+      <a:defRPr sz="1200" kern="1200">
+        <a:solidFill>
+          <a:schemeClr val="tx1"/>
+        </a:solidFill>
+        <a:latin typeface="+mn-lt"/>
+        <a:ea typeface="+mn-ea"/>
+        <a:cs typeface="+mn-cs"/>
+      </a:defRPr>
+    </a:lvl2pPr>
+    <a:lvl3pPr marL="914400" algn="l" defTabSz="914400" rtl="0" eaLnBrk="1" latinLnBrk="0" hangingPunct="1">
+      <a:defRPr sz="1200" kern="1200">
+        <a:solidFill>
+          <a:schemeClr val="tx1"/>
+        </a:solidFill>
+        <a:latin typeface="+mn-lt"/>
+        <a:ea typeface="+mn-ea"/>
+        <a:cs typeface="+mn-cs"/>
+      </a:defRPr>
+    </a:lvl3pPr>
+    <a:lvl4pPr marL="1371600" algn="l" defTabSz="914400" rtl="0" eaLnBrk="1" latinLnBrk="0" hangingPunct="1">
+      <a:defRPr sz="1200" kern="1200">
+        <a:solidFill>
+          <a:schemeClr val="tx1"/>
+        </a:solidFill>
+        <a:latin typeface="+mn-lt"/>
+        <a:ea typeface="+mn-ea"/>
+        <a:cs typeface="+mn-cs"/>
+      </a:defRPr>
+    </a:lvl4pPr>
+    <a:lvl5pPr marL="1828800" algn="l" defTabSz="914400" rtl="0" eaLnBrk="1" latinLnBrk="0" hangingPunct="1">
+      <a:defRPr sz="1200" kern="1200">
+        <a:solidFill>
+          <a:schemeClr val="tx1"/>
+        </a:solidFill>
+        <a:latin typeface="+mn-lt"/>
+        <a:ea typeface="+mn-ea"/>
+        <a:cs typeface="+mn-cs"/>
+      </a:defRPr>
+    </a:lvl5pPr>
+    <a:lvl6pPr marL="2286000" algn="l" defTabSz="914400" rtl="0" eaLnBrk="1" latinLnBrk="0" hangingPunct="1">
+      <a:defRPr sz="1200" kern="1200">
+        <a:solidFill>
+          <a:schemeClr val="tx1"/>
+        </a:solidFill>
+        <a:latin typeface="+mn-lt"/>
+        <a:ea typeface="+mn-ea"/>
+        <a:cs typeface="+mn-cs"/>
+      </a:defRPr>
+    </a:lvl6pPr>
+    <a:lvl7pPr marL="2743200" algn="l" defTabSz="914400" rtl="0" eaLnBrk="1" latinLnBrk="0" hangingPunct="1">
+      <a:defRPr sz="1200" kern="1200">
+        <a:solidFill>
+          <a:schemeClr val="tx1"/>
+        </a:solidFill>
+        <a:latin typeface="+mn-lt"/>
+        <a:ea typeface="+mn-ea"/>
+        <a:cs typeface="+mn-cs"/>
+      </a:defRPr>
+    </a:lvl7pPr>
+    <a:lvl8pPr marL="3200400" algn="l" defTabSz="914400" rtl="0" eaLnBrk="1" latinLnBrk="0" hangingPunct="1">
+      <a:defRPr sz="1200" kern="1200">
+        <a:solidFill>
+          <a:schemeClr val="tx1"/>
+        </a:solidFill>
+        <a:latin typeface="+mn-lt"/>
+        <a:ea typeface="+mn-ea"/>
+        <a:cs typeface="+mn-cs"/>
+      </a:defRPr>
+    </a:lvl8pPr>
+    <a:lvl9pPr marL="3657600" algn="l" defTabSz="914400" rtl="0" eaLnBrk="1" latinLnBrk="0" hangingPunct="1">
+      <a:defRPr sz="1200" kern="1200">
+        <a:solidFill>
+          <a:schemeClr val="tx1"/>
+        </a:solidFill>
+        <a:latin typeface="+mn-lt"/>
+        <a:ea typeface="+mn-ea"/>
+        <a:cs typeface="+mn-cs"/>
+      </a:defRPr>
+    </a:lvl9pPr>
+  </p:notesStyle>
+</p:notesMaster>
+</file>
+
+<file path=ppt/notesSlides/notesSlide1.xml><?xml version="1.0" encoding="utf-8"?>
+<p:notes xmlns:a="http://schemas.openxmlformats.org/drawingml/2006/main" xmlns:r="http://schemas.openxmlformats.org/officeDocument/2006/relationships" xmlns:p="http://schemas.openxmlformats.org/presentationml/2006/main">
+  <p:cSld>
+    <p:spTree>
+      <p:nvGrpSpPr>
+        <p:cNvPr id="1" name=""/>
+        <p:cNvGrpSpPr/>
+        <p:nvPr/>
+      </p:nvGrpSpPr>
+      <p:grpSpPr>
+        <a:xfrm>
+          <a:off x="0" y="0"/>
+          <a:ext cx="0" cy="0"/>
+          <a:chOff x="0" y="0"/>
+          <a:chExt cx="0" cy="0"/>
+        </a:xfrm>
+      </p:grpSpPr>
+      <p:sp>
+        <p:nvSpPr>
+          <p:cNvPr id="2" name="Marcador de imagen de diapositiva 1"/>
+          <p:cNvSpPr>
+            <a:spLocks noGrp="1" noRot="1" noChangeAspect="1"/>
+          </p:cNvSpPr>
+          <p:nvPr>
+            <p:ph type="sldImg"/>
+          </p:nvPr>
+        </p:nvSpPr>
+        <p:spPr/>
+      </p:sp>
+      <p:sp>
+        <p:nvSpPr>
+          <p:cNvPr id="3" name="Marcador de notas 2"/>
+          <p:cNvSpPr>
+            <a:spLocks noGrp="1"/>
+          </p:cNvSpPr>
+          <p:nvPr>
+            <p:ph type="body" idx="1"/>
+          </p:nvPr>
+        </p:nvSpPr>
+        <p:spPr/>
+        <p:txBody>
+          <a:bodyPr/>
+          <a:lstStyle/>
+          <a:p>
+            <a:endParaRPr lang="es-ES"/>
+          </a:p>
+        </p:txBody>
+      </p:sp>
+      <p:sp>
+        <p:nvSpPr>
+          <p:cNvPr id="4" name="Marcador de número de diapositiva 3"/>
+          <p:cNvSpPr>
+            <a:spLocks noGrp="1"/>
+          </p:cNvSpPr>
+          <p:nvPr>
+            <p:ph type="sldNum" sz="quarter" idx="5"/>
+          </p:nvPr>
+        </p:nvSpPr>
+        <p:spPr/>
+        <p:txBody>
+          <a:bodyPr/>
+          <a:lstStyle/>
+          <a:p>
+            <a:fld id="{08542376-FE08-412A-A973-50C543FD8767}" type="slidenum">
+              <a:rPr lang="es-ES" smtClean="0"/>
+              <a:t>7</a:t>
+            </a:fld>
+            <a:endParaRPr lang="es-ES"/>
+          </a:p>
+        </p:txBody>
+      </p:sp>
+    </p:spTree>
+    <p:extLst>
+      <p:ext uri="{BB962C8B-B14F-4D97-AF65-F5344CB8AC3E}">
+        <p14:creationId xmlns:p14="http://schemas.microsoft.com/office/powerpoint/2010/main" val="3984145089"/>
+      </p:ext>
+    </p:extLst>
+  </p:cSld>
+  <p:clrMapOvr>
+    <a:masterClrMapping/>
+  </p:clrMapOvr>
+</p:notes>
 </file>
 
 <file path=ppt/slideLayouts/slideLayout1.xml><?xml version="1.0" encoding="utf-8"?>
@@ -256,7 +714,7 @@
           <a:p>
             <a:fld id="{26AEB31B-E2D5-4A18-8012-71B2ADFD5DA4}" type="datetimeFigureOut">
               <a:rPr lang="es-ES" smtClean="0"/>
-              <a:t>21/07/2024</a:t>
+              <a:t>30/07/2024</a:t>
             </a:fld>
             <a:endParaRPr lang="es-ES"/>
           </a:p>
@@ -310,7 +768,7 @@
           <a:p>
             <a:fld id="{6959FAC3-4B37-489B-8036-B2AC57BA12CB}" type="slidenum">
               <a:rPr lang="es-ES" smtClean="0"/>
-              <a:t>‹#›</a:t>
+              <a:t>‹Nº›</a:t>
             </a:fld>
             <a:endParaRPr lang="es-ES"/>
           </a:p>
@@ -456,7 +914,7 @@
           <a:p>
             <a:fld id="{26AEB31B-E2D5-4A18-8012-71B2ADFD5DA4}" type="datetimeFigureOut">
               <a:rPr lang="es-ES" smtClean="0"/>
-              <a:t>21/07/2024</a:t>
+              <a:t>30/07/2024</a:t>
             </a:fld>
             <a:endParaRPr lang="es-ES"/>
           </a:p>
@@ -510,7 +968,7 @@
           <a:p>
             <a:fld id="{6959FAC3-4B37-489B-8036-B2AC57BA12CB}" type="slidenum">
               <a:rPr lang="es-ES" smtClean="0"/>
-              <a:t>‹#›</a:t>
+              <a:t>‹Nº›</a:t>
             </a:fld>
             <a:endParaRPr lang="es-ES"/>
           </a:p>
@@ -666,7 +1124,7 @@
           <a:p>
             <a:fld id="{26AEB31B-E2D5-4A18-8012-71B2ADFD5DA4}" type="datetimeFigureOut">
               <a:rPr lang="es-ES" smtClean="0"/>
-              <a:t>21/07/2024</a:t>
+              <a:t>30/07/2024</a:t>
             </a:fld>
             <a:endParaRPr lang="es-ES"/>
           </a:p>
@@ -720,7 +1178,7 @@
           <a:p>
             <a:fld id="{6959FAC3-4B37-489B-8036-B2AC57BA12CB}" type="slidenum">
               <a:rPr lang="es-ES" smtClean="0"/>
-              <a:t>‹#›</a:t>
+              <a:t>‹Nº›</a:t>
             </a:fld>
             <a:endParaRPr lang="es-ES"/>
           </a:p>
@@ -866,7 +1324,7 @@
           <a:p>
             <a:fld id="{26AEB31B-E2D5-4A18-8012-71B2ADFD5DA4}" type="datetimeFigureOut">
               <a:rPr lang="es-ES" smtClean="0"/>
-              <a:t>21/07/2024</a:t>
+              <a:t>30/07/2024</a:t>
             </a:fld>
             <a:endParaRPr lang="es-ES"/>
           </a:p>
@@ -920,7 +1378,7 @@
           <a:p>
             <a:fld id="{6959FAC3-4B37-489B-8036-B2AC57BA12CB}" type="slidenum">
               <a:rPr lang="es-ES" smtClean="0"/>
-              <a:t>‹#›</a:t>
+              <a:t>‹Nº›</a:t>
             </a:fld>
             <a:endParaRPr lang="es-ES"/>
           </a:p>
@@ -1142,7 +1600,7 @@
           <a:p>
             <a:fld id="{26AEB31B-E2D5-4A18-8012-71B2ADFD5DA4}" type="datetimeFigureOut">
               <a:rPr lang="es-ES" smtClean="0"/>
-              <a:t>21/07/2024</a:t>
+              <a:t>30/07/2024</a:t>
             </a:fld>
             <a:endParaRPr lang="es-ES"/>
           </a:p>
@@ -1196,7 +1654,7 @@
           <a:p>
             <a:fld id="{6959FAC3-4B37-489B-8036-B2AC57BA12CB}" type="slidenum">
               <a:rPr lang="es-ES" smtClean="0"/>
-              <a:t>‹#›</a:t>
+              <a:t>‹Nº›</a:t>
             </a:fld>
             <a:endParaRPr lang="es-ES"/>
           </a:p>
@@ -1410,7 +1868,7 @@
           <a:p>
             <a:fld id="{26AEB31B-E2D5-4A18-8012-71B2ADFD5DA4}" type="datetimeFigureOut">
               <a:rPr lang="es-ES" smtClean="0"/>
-              <a:t>21/07/2024</a:t>
+              <a:t>30/07/2024</a:t>
             </a:fld>
             <a:endParaRPr lang="es-ES"/>
           </a:p>
@@ -1464,7 +1922,7 @@
           <a:p>
             <a:fld id="{6959FAC3-4B37-489B-8036-B2AC57BA12CB}" type="slidenum">
               <a:rPr lang="es-ES" smtClean="0"/>
-              <a:t>‹#›</a:t>
+              <a:t>‹Nº›</a:t>
             </a:fld>
             <a:endParaRPr lang="es-ES"/>
           </a:p>
@@ -1825,7 +2283,7 @@
           <a:p>
             <a:fld id="{26AEB31B-E2D5-4A18-8012-71B2ADFD5DA4}" type="datetimeFigureOut">
               <a:rPr lang="es-ES" smtClean="0"/>
-              <a:t>21/07/2024</a:t>
+              <a:t>30/07/2024</a:t>
             </a:fld>
             <a:endParaRPr lang="es-ES"/>
           </a:p>
@@ -1879,7 +2337,7 @@
           <a:p>
             <a:fld id="{6959FAC3-4B37-489B-8036-B2AC57BA12CB}" type="slidenum">
               <a:rPr lang="es-ES" smtClean="0"/>
-              <a:t>‹#›</a:t>
+              <a:t>‹Nº›</a:t>
             </a:fld>
             <a:endParaRPr lang="es-ES"/>
           </a:p>
@@ -1967,7 +2425,7 @@
           <a:p>
             <a:fld id="{26AEB31B-E2D5-4A18-8012-71B2ADFD5DA4}" type="datetimeFigureOut">
               <a:rPr lang="es-ES" smtClean="0"/>
-              <a:t>21/07/2024</a:t>
+              <a:t>30/07/2024</a:t>
             </a:fld>
             <a:endParaRPr lang="es-ES"/>
           </a:p>
@@ -2021,7 +2479,7 @@
           <a:p>
             <a:fld id="{6959FAC3-4B37-489B-8036-B2AC57BA12CB}" type="slidenum">
               <a:rPr lang="es-ES" smtClean="0"/>
-              <a:t>‹#›</a:t>
+              <a:t>‹Nº›</a:t>
             </a:fld>
             <a:endParaRPr lang="es-ES"/>
           </a:p>
@@ -2080,7 +2538,7 @@
           <a:p>
             <a:fld id="{26AEB31B-E2D5-4A18-8012-71B2ADFD5DA4}" type="datetimeFigureOut">
               <a:rPr lang="es-ES" smtClean="0"/>
-              <a:t>21/07/2024</a:t>
+              <a:t>30/07/2024</a:t>
             </a:fld>
             <a:endParaRPr lang="es-ES"/>
           </a:p>
@@ -2134,7 +2592,7 @@
           <a:p>
             <a:fld id="{6959FAC3-4B37-489B-8036-B2AC57BA12CB}" type="slidenum">
               <a:rPr lang="es-ES" smtClean="0"/>
-              <a:t>‹#›</a:t>
+              <a:t>‹Nº›</a:t>
             </a:fld>
             <a:endParaRPr lang="es-ES"/>
           </a:p>
@@ -2393,7 +2851,7 @@
           <a:p>
             <a:fld id="{26AEB31B-E2D5-4A18-8012-71B2ADFD5DA4}" type="datetimeFigureOut">
               <a:rPr lang="es-ES" smtClean="0"/>
-              <a:t>21/07/2024</a:t>
+              <a:t>30/07/2024</a:t>
             </a:fld>
             <a:endParaRPr lang="es-ES"/>
           </a:p>
@@ -2447,7 +2905,7 @@
           <a:p>
             <a:fld id="{6959FAC3-4B37-489B-8036-B2AC57BA12CB}" type="slidenum">
               <a:rPr lang="es-ES" smtClean="0"/>
-              <a:t>‹#›</a:t>
+              <a:t>‹Nº›</a:t>
             </a:fld>
             <a:endParaRPr lang="es-ES"/>
           </a:p>
@@ -2682,7 +3140,7 @@
           <a:p>
             <a:fld id="{26AEB31B-E2D5-4A18-8012-71B2ADFD5DA4}" type="datetimeFigureOut">
               <a:rPr lang="es-ES" smtClean="0"/>
-              <a:t>21/07/2024</a:t>
+              <a:t>30/07/2024</a:t>
             </a:fld>
             <a:endParaRPr lang="es-ES"/>
           </a:p>
@@ -2736,7 +3194,7 @@
           <a:p>
             <a:fld id="{6959FAC3-4B37-489B-8036-B2AC57BA12CB}" type="slidenum">
               <a:rPr lang="es-ES" smtClean="0"/>
-              <a:t>‹#›</a:t>
+              <a:t>‹Nº›</a:t>
             </a:fld>
             <a:endParaRPr lang="es-ES"/>
           </a:p>
@@ -2925,7 +3383,7 @@
           <a:p>
             <a:fld id="{26AEB31B-E2D5-4A18-8012-71B2ADFD5DA4}" type="datetimeFigureOut">
               <a:rPr lang="es-ES" smtClean="0"/>
-              <a:t>21/07/2024</a:t>
+              <a:t>30/07/2024</a:t>
             </a:fld>
             <a:endParaRPr lang="es-ES"/>
           </a:p>
@@ -3015,7 +3473,7 @@
           <a:p>
             <a:fld id="{6959FAC3-4B37-489B-8036-B2AC57BA12CB}" type="slidenum">
               <a:rPr lang="es-ES" smtClean="0"/>
-              <a:t>‹#›</a:t>
+              <a:t>‹Nº›</a:t>
             </a:fld>
             <a:endParaRPr lang="es-ES"/>
           </a:p>
@@ -3344,49 +3802,33 @@
       </p:grpSpPr>
       <p:pic>
         <p:nvPicPr>
-          <p:cNvPr id="1028" name="Picture 4" descr="Despre Noi | Asistenta Rutiera">
-            <a:extLst>
-              <a:ext uri="{FF2B5EF4-FFF2-40B4-BE49-F238E27FC236}">
-                <a16:creationId xmlns:a16="http://schemas.microsoft.com/office/drawing/2014/main" id="{2752F5FA-1A32-82ED-A99B-F625BB33BEBC}"/>
+          <p:cNvPr id="7" name="Imagen 6">
+            <a:extLst>
+              <a:ext uri="{FF2B5EF4-FFF2-40B4-BE49-F238E27FC236}">
+                <a16:creationId xmlns:a16="http://schemas.microsoft.com/office/drawing/2014/main" id="{43362E6E-B00B-7DD5-3842-FD6F621E1CC3}"/>
               </a:ext>
             </a:extLst>
           </p:cNvPr>
           <p:cNvPicPr>
-            <a:picLocks noChangeAspect="1" noChangeArrowheads="1"/>
+            <a:picLocks noChangeAspect="1"/>
           </p:cNvPicPr>
           <p:nvPr/>
         </p:nvPicPr>
-        <p:blipFill>
+        <p:blipFill rotWithShape="1">
           <a:blip r:embed="rId2">
-            <a:extLst>
-              <a:ext uri="{28A0092B-C50C-407E-A947-70E740481C1C}">
-                <a14:useLocalDpi xmlns:a14="http://schemas.microsoft.com/office/drawing/2010/main" val="0"/>
-              </a:ext>
-            </a:extLst>
+            <a:alphaModFix amt="50000"/>
           </a:blip>
-          <a:srcRect/>
-          <a:stretch>
-            <a:fillRect/>
-          </a:stretch>
+          <a:srcRect l="45350" t="3831" r="3182" b="42127"/>
+          <a:stretch/>
         </p:blipFill>
-        <p:spPr bwMode="auto">
+        <p:spPr>
           <a:xfrm>
-            <a:off x="6738151" y="0"/>
-            <a:ext cx="5453849" cy="6323483"/>
+            <a:off x="4488003" y="0"/>
+            <a:ext cx="7703998" cy="6857999"/>
           </a:xfrm>
           <a:prstGeom prst="rect">
             <a:avLst/>
           </a:prstGeom>
-          <a:noFill/>
-          <a:extLst>
-            <a:ext uri="{909E8E84-426E-40DD-AFC4-6F175D3DCCD1}">
-              <a14:hiddenFill xmlns:a14="http://schemas.microsoft.com/office/drawing/2010/main">
-                <a:solidFill>
-                  <a:srgbClr val="FFFFFF"/>
-                </a:solidFill>
-              </a14:hiddenFill>
-            </a:ext>
-          </a:extLst>
         </p:spPr>
       </p:pic>
       <p:sp>
@@ -3441,7 +3883,7 @@
         <p:spPr>
           <a:xfrm>
             <a:off x="1092909" y="2210540"/>
-            <a:ext cx="6152225" cy="3970318"/>
+            <a:ext cx="6152225" cy="4247317"/>
           </a:xfrm>
           <a:prstGeom prst="rect">
             <a:avLst/>
@@ -3460,7 +3902,7 @@
             </a:pPr>
             <a:r>
               <a:rPr lang="es-ES" dirty="0"/>
-              <a:t>¿Dependen exclusivamente de la irradiación horizontal global (GHI)? ¿O encontramos más parámetros?</a:t>
+              <a:t>¿Dependen exclusivamente de la irradiación horizontal global (GHI)? </a:t>
             </a:r>
           </a:p>
           <a:p>
@@ -3477,6 +3919,16 @@
             </a:pPr>
             <a:r>
               <a:rPr lang="es-ES" dirty="0"/>
+              <a:t>¿De qué otros parámetros dependen?</a:t>
+            </a:r>
+          </a:p>
+          <a:p>
+            <a:pPr marL="285750" indent="-285750">
+              <a:buFont typeface="Wingdings" panose="05000000000000000000" pitchFamily="2" charset="2"/>
+              <a:buChar char="q"/>
+            </a:pPr>
+            <a:r>
+              <a:rPr lang="es-ES" dirty="0"/>
               <a:t>¿Dependerá del tipo de población?</a:t>
             </a:r>
           </a:p>
@@ -3583,6 +4035,1311 @@
     <p:extLst>
       <p:ext uri="{BB962C8B-B14F-4D97-AF65-F5344CB8AC3E}">
         <p14:creationId xmlns:p14="http://schemas.microsoft.com/office/powerpoint/2010/main" val="309519535"/>
+      </p:ext>
+    </p:extLst>
+  </p:cSld>
+  <p:clrMapOvr>
+    <a:masterClrMapping/>
+  </p:clrMapOvr>
+</p:sld>
+</file>
+
+<file path=ppt/slides/slide2.xml><?xml version="1.0" encoding="utf-8"?>
+<p:sld xmlns:a="http://schemas.openxmlformats.org/drawingml/2006/main" xmlns:r="http://schemas.openxmlformats.org/officeDocument/2006/relationships" xmlns:p="http://schemas.openxmlformats.org/presentationml/2006/main">
+  <p:cSld>
+    <p:spTree>
+      <p:nvGrpSpPr>
+        <p:cNvPr id="1" name=""/>
+        <p:cNvGrpSpPr/>
+        <p:nvPr/>
+      </p:nvGrpSpPr>
+      <p:grpSpPr>
+        <a:xfrm>
+          <a:off x="0" y="0"/>
+          <a:ext cx="0" cy="0"/>
+          <a:chOff x="0" y="0"/>
+          <a:chExt cx="0" cy="0"/>
+        </a:xfrm>
+      </p:grpSpPr>
+      <p:pic>
+        <p:nvPicPr>
+          <p:cNvPr id="7" name="Imagen 6">
+            <a:extLst>
+              <a:ext uri="{FF2B5EF4-FFF2-40B4-BE49-F238E27FC236}">
+                <a16:creationId xmlns:a16="http://schemas.microsoft.com/office/drawing/2014/main" id="{43362E6E-B00B-7DD5-3842-FD6F621E1CC3}"/>
+              </a:ext>
+            </a:extLst>
+          </p:cNvPr>
+          <p:cNvPicPr>
+            <a:picLocks noChangeAspect="1"/>
+          </p:cNvPicPr>
+          <p:nvPr/>
+        </p:nvPicPr>
+        <p:blipFill rotWithShape="1">
+          <a:blip r:embed="rId2">
+            <a:alphaModFix amt="50000"/>
+          </a:blip>
+          <a:srcRect l="45350" t="3831" r="3182" b="42127"/>
+          <a:stretch/>
+        </p:blipFill>
+        <p:spPr>
+          <a:xfrm>
+            <a:off x="4488003" y="0"/>
+            <a:ext cx="7703998" cy="6857999"/>
+          </a:xfrm>
+          <a:prstGeom prst="rect">
+            <a:avLst/>
+          </a:prstGeom>
+        </p:spPr>
+      </p:pic>
+      <p:sp>
+        <p:nvSpPr>
+          <p:cNvPr id="2" name="CuadroTexto 1">
+            <a:extLst>
+              <a:ext uri="{FF2B5EF4-FFF2-40B4-BE49-F238E27FC236}">
+                <a16:creationId xmlns:a16="http://schemas.microsoft.com/office/drawing/2014/main" id="{F868CF70-A703-D612-A312-88B3CD385517}"/>
+              </a:ext>
+            </a:extLst>
+          </p:cNvPr>
+          <p:cNvSpPr txBox="1"/>
+          <p:nvPr/>
+        </p:nvSpPr>
+        <p:spPr>
+          <a:xfrm>
+            <a:off x="0" y="0"/>
+            <a:ext cx="6663447" cy="4464996"/>
+          </a:xfrm>
+          <a:prstGeom prst="rect">
+            <a:avLst/>
+          </a:prstGeom>
+          <a:solidFill>
+            <a:srgbClr val="8787BF"/>
+          </a:solidFill>
+          <a:ln>
+            <a:solidFill>
+              <a:srgbClr val="8787BF"/>
+            </a:solidFill>
+          </a:ln>
+        </p:spPr>
+        <p:txBody>
+          <a:bodyPr wrap="square" rtlCol="0">
+            <a:spAutoFit/>
+          </a:bodyPr>
+          <a:lstStyle/>
+          <a:p>
+            <a:endParaRPr lang="es-ES" dirty="0"/>
+          </a:p>
+        </p:txBody>
+      </p:sp>
+      <p:sp>
+        <p:nvSpPr>
+          <p:cNvPr id="3" name="Subtitle 2">
+            <a:extLst>
+              <a:ext uri="{FF2B5EF4-FFF2-40B4-BE49-F238E27FC236}">
+                <a16:creationId xmlns:a16="http://schemas.microsoft.com/office/drawing/2014/main" id="{E70647E3-F693-43C8-BD21-47E7959E136A}"/>
+              </a:ext>
+            </a:extLst>
+          </p:cNvPr>
+          <p:cNvSpPr>
+            <a:spLocks noGrp="1"/>
+          </p:cNvSpPr>
+          <p:nvPr>
+            <p:ph type="subTitle" idx="1"/>
+          </p:nvPr>
+        </p:nvSpPr>
+        <p:spPr>
+          <a:xfrm>
+            <a:off x="3331722" y="4502767"/>
+            <a:ext cx="7872415" cy="4100777"/>
+          </a:xfrm>
+        </p:spPr>
+        <p:txBody>
+          <a:bodyPr>
+            <a:normAutofit/>
+          </a:bodyPr>
+          <a:lstStyle/>
+          <a:p>
+            <a:r>
+              <a:rPr lang="es-ES" sz="4000" dirty="0">
+                <a:latin typeface="Franklin Gothic Demi" panose="020B0703020102020204" pitchFamily="34" charset="0"/>
+              </a:rPr>
+              <a:t>¿QUÉ CARACTERÍSTICAS TIENE UN PAÍS EUROPEO QUE APUESTA POR LA ENERGÍA SOLAR FOTOVOLTAICA?</a:t>
+            </a:r>
+          </a:p>
+        </p:txBody>
+      </p:sp>
+      <p:sp>
+        <p:nvSpPr>
+          <p:cNvPr id="4" name="CuadroTexto 3">
+            <a:extLst>
+              <a:ext uri="{FF2B5EF4-FFF2-40B4-BE49-F238E27FC236}">
+                <a16:creationId xmlns:a16="http://schemas.microsoft.com/office/drawing/2014/main" id="{922FF79A-A982-7504-2BDB-E6A4305C94AB}"/>
+              </a:ext>
+            </a:extLst>
+          </p:cNvPr>
+          <p:cNvSpPr txBox="1"/>
+          <p:nvPr/>
+        </p:nvSpPr>
+        <p:spPr>
+          <a:xfrm>
+            <a:off x="422496" y="404724"/>
+            <a:ext cx="5818453" cy="3693319"/>
+          </a:xfrm>
+          <a:prstGeom prst="rect">
+            <a:avLst/>
+          </a:prstGeom>
+          <a:solidFill>
+            <a:srgbClr val="B6B6D8"/>
+          </a:solidFill>
+          <a:ln>
+            <a:solidFill>
+              <a:srgbClr val="8787BF"/>
+            </a:solidFill>
+          </a:ln>
+        </p:spPr>
+        <p:txBody>
+          <a:bodyPr wrap="square" rtlCol="0">
+            <a:spAutoFit/>
+          </a:bodyPr>
+          <a:lstStyle/>
+          <a:p>
+            <a:endParaRPr lang="es-ES" dirty="0"/>
+          </a:p>
+          <a:p>
+            <a:endParaRPr lang="es-ES" dirty="0"/>
+          </a:p>
+          <a:p>
+            <a:endParaRPr lang="es-ES" dirty="0"/>
+          </a:p>
+          <a:p>
+            <a:endParaRPr lang="es-ES" dirty="0"/>
+          </a:p>
+          <a:p>
+            <a:endParaRPr lang="es-ES" dirty="0"/>
+          </a:p>
+          <a:p>
+            <a:endParaRPr lang="es-ES" dirty="0"/>
+          </a:p>
+          <a:p>
+            <a:endParaRPr lang="es-ES" dirty="0"/>
+          </a:p>
+          <a:p>
+            <a:endParaRPr lang="es-ES" dirty="0"/>
+          </a:p>
+          <a:p>
+            <a:endParaRPr lang="es-ES" dirty="0"/>
+          </a:p>
+          <a:p>
+            <a:endParaRPr lang="es-ES" dirty="0"/>
+          </a:p>
+          <a:p>
+            <a:endParaRPr lang="es-ES" dirty="0"/>
+          </a:p>
+          <a:p>
+            <a:endParaRPr lang="es-ES" dirty="0"/>
+          </a:p>
+          <a:p>
+            <a:endParaRPr lang="es-ES" dirty="0"/>
+          </a:p>
+        </p:txBody>
+      </p:sp>
+    </p:spTree>
+    <p:extLst>
+      <p:ext uri="{BB962C8B-B14F-4D97-AF65-F5344CB8AC3E}">
+        <p14:creationId xmlns:p14="http://schemas.microsoft.com/office/powerpoint/2010/main" val="1478045800"/>
+      </p:ext>
+    </p:extLst>
+  </p:cSld>
+  <p:clrMapOvr>
+    <a:masterClrMapping/>
+  </p:clrMapOvr>
+</p:sld>
+</file>
+
+<file path=ppt/slides/slide3.xml><?xml version="1.0" encoding="utf-8"?>
+<p:sld xmlns:a="http://schemas.openxmlformats.org/drawingml/2006/main" xmlns:r="http://schemas.openxmlformats.org/officeDocument/2006/relationships" xmlns:p="http://schemas.openxmlformats.org/presentationml/2006/main">
+  <p:cSld>
+    <p:spTree>
+      <p:nvGrpSpPr>
+        <p:cNvPr id="1" name=""/>
+        <p:cNvGrpSpPr/>
+        <p:nvPr/>
+      </p:nvGrpSpPr>
+      <p:grpSpPr>
+        <a:xfrm>
+          <a:off x="0" y="0"/>
+          <a:ext cx="0" cy="0"/>
+          <a:chOff x="0" y="0"/>
+          <a:chExt cx="0" cy="0"/>
+        </a:xfrm>
+      </p:grpSpPr>
+      <p:pic>
+        <p:nvPicPr>
+          <p:cNvPr id="7" name="Imagen 6">
+            <a:extLst>
+              <a:ext uri="{FF2B5EF4-FFF2-40B4-BE49-F238E27FC236}">
+                <a16:creationId xmlns:a16="http://schemas.microsoft.com/office/drawing/2014/main" id="{43362E6E-B00B-7DD5-3842-FD6F621E1CC3}"/>
+              </a:ext>
+            </a:extLst>
+          </p:cNvPr>
+          <p:cNvPicPr>
+            <a:picLocks noChangeAspect="1"/>
+          </p:cNvPicPr>
+          <p:nvPr/>
+        </p:nvPicPr>
+        <p:blipFill rotWithShape="1">
+          <a:blip r:embed="rId2">
+            <a:alphaModFix amt="85000"/>
+          </a:blip>
+          <a:srcRect l="45350" t="3831" r="3182" b="42127"/>
+          <a:stretch/>
+        </p:blipFill>
+        <p:spPr>
+          <a:xfrm>
+            <a:off x="4488003" y="0"/>
+            <a:ext cx="7703998" cy="6857999"/>
+          </a:xfrm>
+          <a:prstGeom prst="rect">
+            <a:avLst/>
+          </a:prstGeom>
+        </p:spPr>
+      </p:pic>
+      <p:sp>
+        <p:nvSpPr>
+          <p:cNvPr id="3" name="Subtitle 2">
+            <a:extLst>
+              <a:ext uri="{FF2B5EF4-FFF2-40B4-BE49-F238E27FC236}">
+                <a16:creationId xmlns:a16="http://schemas.microsoft.com/office/drawing/2014/main" id="{E70647E3-F693-43C8-BD21-47E7959E136A}"/>
+              </a:ext>
+            </a:extLst>
+          </p:cNvPr>
+          <p:cNvSpPr>
+            <a:spLocks noGrp="1"/>
+          </p:cNvSpPr>
+          <p:nvPr>
+            <p:ph type="subTitle" idx="1"/>
+          </p:nvPr>
+        </p:nvSpPr>
+        <p:spPr>
+          <a:xfrm>
+            <a:off x="269636" y="248647"/>
+            <a:ext cx="6152225" cy="1214023"/>
+          </a:xfrm>
+        </p:spPr>
+        <p:txBody>
+          <a:bodyPr>
+            <a:normAutofit/>
+          </a:bodyPr>
+          <a:lstStyle/>
+          <a:p>
+            <a:r>
+              <a:rPr lang="es-ES" dirty="0">
+                <a:latin typeface="Franklin Gothic Demi" panose="020B0703020102020204" pitchFamily="34" charset="0"/>
+              </a:rPr>
+              <a:t>PARÁMETROS RECOGIDOS EN EL ESTUDIO</a:t>
+            </a:r>
+          </a:p>
+        </p:txBody>
+      </p:sp>
+      <p:sp>
+        <p:nvSpPr>
+          <p:cNvPr id="2" name="TextBox 4">
+            <a:extLst>
+              <a:ext uri="{FF2B5EF4-FFF2-40B4-BE49-F238E27FC236}">
+                <a16:creationId xmlns:a16="http://schemas.microsoft.com/office/drawing/2014/main" id="{5F187443-6EF2-E9C9-BB05-EF7845CAC3B7}"/>
+              </a:ext>
+            </a:extLst>
+          </p:cNvPr>
+          <p:cNvSpPr txBox="1"/>
+          <p:nvPr/>
+        </p:nvSpPr>
+        <p:spPr>
+          <a:xfrm>
+            <a:off x="503100" y="1200022"/>
+            <a:ext cx="6152225" cy="3416320"/>
+          </a:xfrm>
+          <a:prstGeom prst="rect">
+            <a:avLst/>
+          </a:prstGeom>
+          <a:noFill/>
+        </p:spPr>
+        <p:txBody>
+          <a:bodyPr wrap="square" rtlCol="0">
+            <a:spAutoFit/>
+          </a:bodyPr>
+          <a:lstStyle/>
+          <a:p>
+            <a:r>
+              <a:rPr lang="es-ES" b="1" dirty="0">
+                <a:solidFill>
+                  <a:srgbClr val="8787BF"/>
+                </a:solidFill>
+              </a:rPr>
+              <a:t>Parámetros estudiados:</a:t>
+            </a:r>
+          </a:p>
+          <a:p>
+            <a:endParaRPr lang="es-ES" dirty="0"/>
+          </a:p>
+          <a:p>
+            <a:pPr marL="742950" lvl="1" indent="-285750">
+              <a:buFont typeface="Wingdings" panose="05000000000000000000" pitchFamily="2" charset="2"/>
+              <a:buChar char="q"/>
+            </a:pPr>
+            <a:r>
+              <a:rPr lang="es-ES" dirty="0"/>
+              <a:t>Número de habitantes</a:t>
+            </a:r>
+          </a:p>
+          <a:p>
+            <a:pPr marL="742950" lvl="1" indent="-285750">
+              <a:buFont typeface="Wingdings" panose="05000000000000000000" pitchFamily="2" charset="2"/>
+              <a:buChar char="q"/>
+            </a:pPr>
+            <a:r>
+              <a:rPr lang="es-ES" dirty="0"/>
+              <a:t>Superficie del país (km2)</a:t>
+            </a:r>
+          </a:p>
+          <a:p>
+            <a:pPr marL="742950" lvl="1" indent="-285750">
+              <a:buFont typeface="Wingdings" panose="05000000000000000000" pitchFamily="2" charset="2"/>
+              <a:buChar char="q"/>
+            </a:pPr>
+            <a:r>
+              <a:rPr lang="es-ES" dirty="0"/>
+              <a:t>Desarrollo humano (%)</a:t>
+            </a:r>
+          </a:p>
+          <a:p>
+            <a:pPr marL="742950" lvl="1" indent="-285750">
+              <a:buFont typeface="Wingdings" panose="05000000000000000000" pitchFamily="2" charset="2"/>
+              <a:buChar char="q"/>
+            </a:pPr>
+            <a:r>
+              <a:rPr lang="es-ES" dirty="0"/>
+              <a:t>PIB (USD)</a:t>
+            </a:r>
+          </a:p>
+          <a:p>
+            <a:pPr marL="742950" lvl="1" indent="-285750">
+              <a:buFont typeface="Wingdings" panose="05000000000000000000" pitchFamily="2" charset="2"/>
+              <a:buChar char="q"/>
+            </a:pPr>
+            <a:r>
+              <a:rPr lang="es-ES" dirty="0"/>
+              <a:t>Precipitación media (mm)</a:t>
+            </a:r>
+          </a:p>
+          <a:p>
+            <a:pPr marL="742950" lvl="1" indent="-285750">
+              <a:buFont typeface="Wingdings" panose="05000000000000000000" pitchFamily="2" charset="2"/>
+              <a:buChar char="q"/>
+            </a:pPr>
+            <a:r>
+              <a:rPr lang="es-ES" dirty="0"/>
+              <a:t>Irradiancia global horizontal (kWh/m2/</a:t>
+            </a:r>
+            <a:r>
+              <a:rPr lang="es-ES" dirty="0" err="1"/>
+              <a:t>day</a:t>
+            </a:r>
+            <a:r>
+              <a:rPr lang="es-ES" dirty="0"/>
+              <a:t>)</a:t>
+            </a:r>
+          </a:p>
+          <a:p>
+            <a:pPr marL="742950" lvl="1" indent="-285750">
+              <a:buFont typeface="Wingdings" panose="05000000000000000000" pitchFamily="2" charset="2"/>
+              <a:buChar char="q"/>
+            </a:pPr>
+            <a:r>
+              <a:rPr lang="es-ES" dirty="0"/>
+              <a:t>Coste construcción (USD/kWh)</a:t>
+            </a:r>
+          </a:p>
+          <a:p>
+            <a:pPr marL="742950" lvl="1" indent="-285750">
+              <a:buFont typeface="Wingdings" panose="05000000000000000000" pitchFamily="2" charset="2"/>
+              <a:buChar char="q"/>
+            </a:pPr>
+            <a:r>
+              <a:rPr lang="es-ES" dirty="0"/>
+              <a:t>Capacidad instalada (</a:t>
+            </a:r>
+            <a:r>
+              <a:rPr lang="es-ES" dirty="0" err="1"/>
+              <a:t>Wp</a:t>
+            </a:r>
+            <a:r>
+              <a:rPr lang="es-ES" dirty="0"/>
+              <a:t>/per </a:t>
+            </a:r>
+            <a:r>
+              <a:rPr lang="es-ES" dirty="0" err="1"/>
+              <a:t>capita</a:t>
+            </a:r>
+            <a:r>
+              <a:rPr lang="es-ES" dirty="0"/>
+              <a:t>)</a:t>
+            </a:r>
+          </a:p>
+          <a:p>
+            <a:pPr marL="742950" lvl="1" indent="-285750">
+              <a:buFont typeface="Wingdings" panose="05000000000000000000" pitchFamily="2" charset="2"/>
+              <a:buChar char="q"/>
+            </a:pPr>
+            <a:r>
+              <a:rPr lang="es-ES" dirty="0"/>
+              <a:t>Consumo energía (kWh per </a:t>
+            </a:r>
+            <a:r>
+              <a:rPr lang="es-ES" dirty="0" err="1"/>
+              <a:t>capita</a:t>
+            </a:r>
+            <a:r>
+              <a:rPr lang="es-ES" dirty="0"/>
+              <a:t>)</a:t>
+            </a:r>
+          </a:p>
+          <a:p>
+            <a:pPr marL="742950" lvl="1" indent="-285750">
+              <a:buFont typeface="Wingdings" panose="05000000000000000000" pitchFamily="2" charset="2"/>
+              <a:buChar char="q"/>
+            </a:pPr>
+            <a:r>
+              <a:rPr lang="es-ES" dirty="0"/>
+              <a:t>Precio tarifa luz (USD/kWh)</a:t>
+            </a:r>
+          </a:p>
+        </p:txBody>
+      </p:sp>
+    </p:spTree>
+    <p:extLst>
+      <p:ext uri="{BB962C8B-B14F-4D97-AF65-F5344CB8AC3E}">
+        <p14:creationId xmlns:p14="http://schemas.microsoft.com/office/powerpoint/2010/main" val="142301293"/>
+      </p:ext>
+    </p:extLst>
+  </p:cSld>
+  <p:clrMapOvr>
+    <a:masterClrMapping/>
+  </p:clrMapOvr>
+</p:sld>
+</file>
+
+<file path=ppt/slides/slide4.xml><?xml version="1.0" encoding="utf-8"?>
+<p:sld xmlns:a="http://schemas.openxmlformats.org/drawingml/2006/main" xmlns:r="http://schemas.openxmlformats.org/officeDocument/2006/relationships" xmlns:p="http://schemas.openxmlformats.org/presentationml/2006/main">
+  <p:cSld>
+    <p:spTree>
+      <p:nvGrpSpPr>
+        <p:cNvPr id="1" name=""/>
+        <p:cNvGrpSpPr/>
+        <p:nvPr/>
+      </p:nvGrpSpPr>
+      <p:grpSpPr>
+        <a:xfrm>
+          <a:off x="0" y="0"/>
+          <a:ext cx="0" cy="0"/>
+          <a:chOff x="0" y="0"/>
+          <a:chExt cx="0" cy="0"/>
+        </a:xfrm>
+      </p:grpSpPr>
+      <p:pic>
+        <p:nvPicPr>
+          <p:cNvPr id="10" name="Imagen 9">
+            <a:extLst>
+              <a:ext uri="{FF2B5EF4-FFF2-40B4-BE49-F238E27FC236}">
+                <a16:creationId xmlns:a16="http://schemas.microsoft.com/office/drawing/2014/main" id="{4D6F9387-3E42-7067-36F5-0AC7C7C4CAAD}"/>
+              </a:ext>
+            </a:extLst>
+          </p:cNvPr>
+          <p:cNvPicPr>
+            <a:picLocks noChangeAspect="1"/>
+          </p:cNvPicPr>
+          <p:nvPr/>
+        </p:nvPicPr>
+        <p:blipFill rotWithShape="1">
+          <a:blip r:embed="rId2"/>
+          <a:srcRect l="39574" t="18865" r="17771" b="44113"/>
+          <a:stretch/>
+        </p:blipFill>
+        <p:spPr>
+          <a:xfrm>
+            <a:off x="4488002" y="1"/>
+            <a:ext cx="7703998" cy="6857999"/>
+          </a:xfrm>
+          <a:prstGeom prst="rect">
+            <a:avLst/>
+          </a:prstGeom>
+        </p:spPr>
+      </p:pic>
+      <p:sp>
+        <p:nvSpPr>
+          <p:cNvPr id="3" name="Subtitle 2">
+            <a:extLst>
+              <a:ext uri="{FF2B5EF4-FFF2-40B4-BE49-F238E27FC236}">
+                <a16:creationId xmlns:a16="http://schemas.microsoft.com/office/drawing/2014/main" id="{E70647E3-F693-43C8-BD21-47E7959E136A}"/>
+              </a:ext>
+            </a:extLst>
+          </p:cNvPr>
+          <p:cNvSpPr>
+            <a:spLocks noGrp="1"/>
+          </p:cNvSpPr>
+          <p:nvPr>
+            <p:ph type="subTitle" idx="1"/>
+          </p:nvPr>
+        </p:nvSpPr>
+        <p:spPr>
+          <a:xfrm>
+            <a:off x="72407" y="214892"/>
+            <a:ext cx="7291432" cy="1214023"/>
+          </a:xfrm>
+        </p:spPr>
+        <p:txBody>
+          <a:bodyPr>
+            <a:normAutofit/>
+          </a:bodyPr>
+          <a:lstStyle/>
+          <a:p>
+            <a:r>
+              <a:rPr lang="es-ES" dirty="0">
+                <a:latin typeface="Franklin Gothic Demi" panose="020B0703020102020204" pitchFamily="34" charset="0"/>
+              </a:rPr>
+              <a:t>¿QUÉ CARACTERÍSTICAS TIENE UN PAÍS EUROPEO QUE APUESTA POR LA ENERGÍA SOLAR FOTOVOLTAICA?</a:t>
+            </a:r>
+          </a:p>
+        </p:txBody>
+      </p:sp>
+      <p:sp>
+        <p:nvSpPr>
+          <p:cNvPr id="2" name="TextBox 4">
+            <a:extLst>
+              <a:ext uri="{FF2B5EF4-FFF2-40B4-BE49-F238E27FC236}">
+                <a16:creationId xmlns:a16="http://schemas.microsoft.com/office/drawing/2014/main" id="{5F187443-6EF2-E9C9-BB05-EF7845CAC3B7}"/>
+              </a:ext>
+            </a:extLst>
+          </p:cNvPr>
+          <p:cNvSpPr txBox="1"/>
+          <p:nvPr/>
+        </p:nvSpPr>
+        <p:spPr>
+          <a:xfrm>
+            <a:off x="289090" y="1643807"/>
+            <a:ext cx="6152225" cy="4308872"/>
+          </a:xfrm>
+          <a:prstGeom prst="rect">
+            <a:avLst/>
+          </a:prstGeom>
+          <a:noFill/>
+        </p:spPr>
+        <p:txBody>
+          <a:bodyPr wrap="square" rtlCol="0">
+            <a:spAutoFit/>
+          </a:bodyPr>
+          <a:lstStyle/>
+          <a:p>
+            <a:r>
+              <a:rPr lang="es-ES" sz="2000" dirty="0"/>
+              <a:t>Lo primero en lo que pensamos cuando hablamos de energía solar es en el sol</a:t>
+            </a:r>
+            <a:r>
+              <a:rPr lang="es-ES" dirty="0"/>
+              <a:t>.</a:t>
+            </a:r>
+          </a:p>
+          <a:p>
+            <a:endParaRPr lang="es-ES" dirty="0"/>
+          </a:p>
+          <a:p>
+            <a:endParaRPr lang="es-ES" dirty="0"/>
+          </a:p>
+          <a:p>
+            <a:endParaRPr lang="es-ES" dirty="0"/>
+          </a:p>
+          <a:p>
+            <a:pPr marL="742950" lvl="1" indent="-285750">
+              <a:buFont typeface="Wingdings" panose="05000000000000000000" pitchFamily="2" charset="2"/>
+              <a:buChar char="q"/>
+            </a:pPr>
+            <a:r>
+              <a:rPr lang="es-ES" dirty="0">
+                <a:solidFill>
+                  <a:schemeClr val="bg1">
+                    <a:lumMod val="75000"/>
+                  </a:schemeClr>
+                </a:solidFill>
+              </a:rPr>
+              <a:t>Número de habitantes</a:t>
+            </a:r>
+          </a:p>
+          <a:p>
+            <a:pPr marL="742950" lvl="1" indent="-285750">
+              <a:buFont typeface="Wingdings" panose="05000000000000000000" pitchFamily="2" charset="2"/>
+              <a:buChar char="q"/>
+            </a:pPr>
+            <a:r>
+              <a:rPr lang="es-ES" dirty="0">
+                <a:solidFill>
+                  <a:schemeClr val="bg1">
+                    <a:lumMod val="75000"/>
+                  </a:schemeClr>
+                </a:solidFill>
+              </a:rPr>
+              <a:t>Superficie del país (km2)</a:t>
+            </a:r>
+          </a:p>
+          <a:p>
+            <a:pPr marL="742950" lvl="1" indent="-285750">
+              <a:buFont typeface="Wingdings" panose="05000000000000000000" pitchFamily="2" charset="2"/>
+              <a:buChar char="q"/>
+            </a:pPr>
+            <a:r>
+              <a:rPr lang="es-ES" dirty="0">
+                <a:solidFill>
+                  <a:schemeClr val="bg1">
+                    <a:lumMod val="75000"/>
+                  </a:schemeClr>
+                </a:solidFill>
+              </a:rPr>
+              <a:t>Desarrollo humano (%)</a:t>
+            </a:r>
+          </a:p>
+          <a:p>
+            <a:pPr marL="742950" lvl="1" indent="-285750">
+              <a:buFont typeface="Wingdings" panose="05000000000000000000" pitchFamily="2" charset="2"/>
+              <a:buChar char="q"/>
+            </a:pPr>
+            <a:r>
+              <a:rPr lang="es-ES" dirty="0">
+                <a:solidFill>
+                  <a:schemeClr val="bg1">
+                    <a:lumMod val="75000"/>
+                  </a:schemeClr>
+                </a:solidFill>
+              </a:rPr>
+              <a:t>PIB (USD)</a:t>
+            </a:r>
+          </a:p>
+          <a:p>
+            <a:pPr marL="742950" lvl="1" indent="-285750">
+              <a:buFont typeface="Wingdings" panose="05000000000000000000" pitchFamily="2" charset="2"/>
+              <a:buChar char="q"/>
+            </a:pPr>
+            <a:r>
+              <a:rPr lang="es-ES" dirty="0">
+                <a:solidFill>
+                  <a:schemeClr val="bg1">
+                    <a:lumMod val="75000"/>
+                  </a:schemeClr>
+                </a:solidFill>
+              </a:rPr>
+              <a:t>Precipitación media (mm)</a:t>
+            </a:r>
+          </a:p>
+          <a:p>
+            <a:pPr marL="742950" lvl="1" indent="-285750">
+              <a:buFont typeface="Wingdings" panose="05000000000000000000" pitchFamily="2" charset="2"/>
+              <a:buChar char="q"/>
+            </a:pPr>
+            <a:r>
+              <a:rPr lang="es-ES" b="1" dirty="0">
+                <a:solidFill>
+                  <a:srgbClr val="8787BF"/>
+                </a:solidFill>
+              </a:rPr>
+              <a:t>Irradiancia global horizontal (kWh/m2/</a:t>
+            </a:r>
+            <a:r>
+              <a:rPr lang="es-ES" b="1" dirty="0" err="1">
+                <a:solidFill>
+                  <a:srgbClr val="8787BF"/>
+                </a:solidFill>
+              </a:rPr>
+              <a:t>day</a:t>
+            </a:r>
+            <a:r>
+              <a:rPr lang="es-ES" b="1" dirty="0">
+                <a:solidFill>
+                  <a:srgbClr val="8787BF"/>
+                </a:solidFill>
+              </a:rPr>
+              <a:t>)</a:t>
+            </a:r>
+          </a:p>
+          <a:p>
+            <a:pPr marL="742950" lvl="1" indent="-285750">
+              <a:buFont typeface="Wingdings" panose="05000000000000000000" pitchFamily="2" charset="2"/>
+              <a:buChar char="q"/>
+            </a:pPr>
+            <a:r>
+              <a:rPr lang="es-ES" dirty="0">
+                <a:solidFill>
+                  <a:schemeClr val="bg1">
+                    <a:lumMod val="75000"/>
+                  </a:schemeClr>
+                </a:solidFill>
+              </a:rPr>
+              <a:t>Coste construcción (USD/kWh)</a:t>
+            </a:r>
+          </a:p>
+          <a:p>
+            <a:pPr marL="742950" lvl="1" indent="-285750">
+              <a:buFont typeface="Wingdings" panose="05000000000000000000" pitchFamily="2" charset="2"/>
+              <a:buChar char="q"/>
+            </a:pPr>
+            <a:r>
+              <a:rPr lang="es-ES" dirty="0">
+                <a:solidFill>
+                  <a:schemeClr val="bg1">
+                    <a:lumMod val="75000"/>
+                  </a:schemeClr>
+                </a:solidFill>
+              </a:rPr>
+              <a:t>Capacidad instalada (</a:t>
+            </a:r>
+            <a:r>
+              <a:rPr lang="es-ES" dirty="0" err="1">
+                <a:solidFill>
+                  <a:schemeClr val="bg1">
+                    <a:lumMod val="75000"/>
+                  </a:schemeClr>
+                </a:solidFill>
+              </a:rPr>
+              <a:t>Wp</a:t>
+            </a:r>
+            <a:r>
+              <a:rPr lang="es-ES" dirty="0">
+                <a:solidFill>
+                  <a:schemeClr val="bg1">
+                    <a:lumMod val="75000"/>
+                  </a:schemeClr>
+                </a:solidFill>
+              </a:rPr>
+              <a:t>/per </a:t>
+            </a:r>
+            <a:r>
+              <a:rPr lang="es-ES" dirty="0" err="1">
+                <a:solidFill>
+                  <a:schemeClr val="bg1">
+                    <a:lumMod val="75000"/>
+                  </a:schemeClr>
+                </a:solidFill>
+              </a:rPr>
+              <a:t>capita</a:t>
+            </a:r>
+            <a:r>
+              <a:rPr lang="es-ES" dirty="0">
+                <a:solidFill>
+                  <a:schemeClr val="bg1">
+                    <a:lumMod val="75000"/>
+                  </a:schemeClr>
+                </a:solidFill>
+              </a:rPr>
+              <a:t>)</a:t>
+            </a:r>
+          </a:p>
+          <a:p>
+            <a:pPr marL="742950" lvl="1" indent="-285750">
+              <a:buFont typeface="Wingdings" panose="05000000000000000000" pitchFamily="2" charset="2"/>
+              <a:buChar char="q"/>
+            </a:pPr>
+            <a:r>
+              <a:rPr lang="es-ES" dirty="0">
+                <a:solidFill>
+                  <a:schemeClr val="bg1">
+                    <a:lumMod val="75000"/>
+                  </a:schemeClr>
+                </a:solidFill>
+              </a:rPr>
+              <a:t>Consumo energía (kWh per </a:t>
+            </a:r>
+            <a:r>
+              <a:rPr lang="es-ES" dirty="0" err="1">
+                <a:solidFill>
+                  <a:schemeClr val="bg1">
+                    <a:lumMod val="75000"/>
+                  </a:schemeClr>
+                </a:solidFill>
+              </a:rPr>
+              <a:t>capita</a:t>
+            </a:r>
+            <a:r>
+              <a:rPr lang="es-ES" dirty="0">
+                <a:solidFill>
+                  <a:schemeClr val="bg1">
+                    <a:lumMod val="75000"/>
+                  </a:schemeClr>
+                </a:solidFill>
+              </a:rPr>
+              <a:t>)</a:t>
+            </a:r>
+          </a:p>
+          <a:p>
+            <a:pPr marL="742950" lvl="1" indent="-285750">
+              <a:buFont typeface="Wingdings" panose="05000000000000000000" pitchFamily="2" charset="2"/>
+              <a:buChar char="q"/>
+            </a:pPr>
+            <a:r>
+              <a:rPr lang="es-ES" dirty="0">
+                <a:solidFill>
+                  <a:schemeClr val="bg1">
+                    <a:lumMod val="75000"/>
+                  </a:schemeClr>
+                </a:solidFill>
+              </a:rPr>
+              <a:t>Precio tarifa luz (USD/kWh)</a:t>
+            </a:r>
+          </a:p>
+        </p:txBody>
+      </p:sp>
+      <p:pic>
+        <p:nvPicPr>
+          <p:cNvPr id="12" name="Gráfico 11" descr="Parcialmente soleado con relleno sólido">
+            <a:extLst>
+              <a:ext uri="{FF2B5EF4-FFF2-40B4-BE49-F238E27FC236}">
+                <a16:creationId xmlns:a16="http://schemas.microsoft.com/office/drawing/2014/main" id="{F5914079-4CFD-5CB5-9065-27C1F660B448}"/>
+              </a:ext>
+            </a:extLst>
+          </p:cNvPr>
+          <p:cNvPicPr>
+            <a:picLocks noChangeAspect="1"/>
+          </p:cNvPicPr>
+          <p:nvPr/>
+        </p:nvPicPr>
+        <p:blipFill>
+          <a:blip r:embed="rId3">
+            <a:extLst>
+              <a:ext uri="{28A0092B-C50C-407E-A947-70E740481C1C}">
+                <a14:useLocalDpi xmlns:a14="http://schemas.microsoft.com/office/drawing/2010/main" val="0"/>
+              </a:ext>
+              <a:ext uri="{96DAC541-7B7A-43D3-8B79-37D633B846F1}">
+                <asvg:svgBlip xmlns:asvg="http://schemas.microsoft.com/office/drawing/2016/SVG/main" r:embed="rId4"/>
+              </a:ext>
+            </a:extLst>
+          </a:blip>
+          <a:stretch>
+            <a:fillRect/>
+          </a:stretch>
+        </p:blipFill>
+        <p:spPr>
+          <a:xfrm>
+            <a:off x="3012332" y="1930941"/>
+            <a:ext cx="914400" cy="914400"/>
+          </a:xfrm>
+          <a:prstGeom prst="rect">
+            <a:avLst/>
+          </a:prstGeom>
+        </p:spPr>
+      </p:pic>
+    </p:spTree>
+    <p:extLst>
+      <p:ext uri="{BB962C8B-B14F-4D97-AF65-F5344CB8AC3E}">
+        <p14:creationId xmlns:p14="http://schemas.microsoft.com/office/powerpoint/2010/main" val="1918050047"/>
+      </p:ext>
+    </p:extLst>
+  </p:cSld>
+  <p:clrMapOvr>
+    <a:masterClrMapping/>
+  </p:clrMapOvr>
+</p:sld>
+</file>
+
+<file path=ppt/slides/slide5.xml><?xml version="1.0" encoding="utf-8"?>
+<p:sld xmlns:a="http://schemas.openxmlformats.org/drawingml/2006/main" xmlns:r="http://schemas.openxmlformats.org/officeDocument/2006/relationships" xmlns:p="http://schemas.openxmlformats.org/presentationml/2006/main">
+  <p:cSld>
+    <p:spTree>
+      <p:nvGrpSpPr>
+        <p:cNvPr id="1" name=""/>
+        <p:cNvGrpSpPr/>
+        <p:nvPr/>
+      </p:nvGrpSpPr>
+      <p:grpSpPr>
+        <a:xfrm>
+          <a:off x="0" y="0"/>
+          <a:ext cx="0" cy="0"/>
+          <a:chOff x="0" y="0"/>
+          <a:chExt cx="0" cy="0"/>
+        </a:xfrm>
+      </p:grpSpPr>
+      <p:sp>
+        <p:nvSpPr>
+          <p:cNvPr id="2" name="Título 1">
+            <a:extLst>
+              <a:ext uri="{FF2B5EF4-FFF2-40B4-BE49-F238E27FC236}">
+                <a16:creationId xmlns:a16="http://schemas.microsoft.com/office/drawing/2014/main" id="{DBAC589E-04C0-93FA-E7D7-83946BF5C278}"/>
+              </a:ext>
+            </a:extLst>
+          </p:cNvPr>
+          <p:cNvSpPr>
+            <a:spLocks noGrp="1"/>
+          </p:cNvSpPr>
+          <p:nvPr>
+            <p:ph type="title"/>
+          </p:nvPr>
+        </p:nvSpPr>
+        <p:spPr/>
+        <p:txBody>
+          <a:bodyPr/>
+          <a:lstStyle/>
+          <a:p>
+            <a:endParaRPr lang="es-ES"/>
+          </a:p>
+        </p:txBody>
+      </p:sp>
+      <p:sp>
+        <p:nvSpPr>
+          <p:cNvPr id="3" name="Marcador de contenido 2">
+            <a:extLst>
+              <a:ext uri="{FF2B5EF4-FFF2-40B4-BE49-F238E27FC236}">
+                <a16:creationId xmlns:a16="http://schemas.microsoft.com/office/drawing/2014/main" id="{5CDDC47B-1CFA-0277-A0C4-161C82962705}"/>
+              </a:ext>
+            </a:extLst>
+          </p:cNvPr>
+          <p:cNvSpPr>
+            <a:spLocks noGrp="1"/>
+          </p:cNvSpPr>
+          <p:nvPr>
+            <p:ph idx="1"/>
+          </p:nvPr>
+        </p:nvSpPr>
+        <p:spPr/>
+        <p:txBody>
+          <a:bodyPr/>
+          <a:lstStyle/>
+          <a:p>
+            <a:endParaRPr lang="es-ES"/>
+          </a:p>
+        </p:txBody>
+      </p:sp>
+    </p:spTree>
+    <p:extLst>
+      <p:ext uri="{BB962C8B-B14F-4D97-AF65-F5344CB8AC3E}">
+        <p14:creationId xmlns:p14="http://schemas.microsoft.com/office/powerpoint/2010/main" val="2420290428"/>
+      </p:ext>
+    </p:extLst>
+  </p:cSld>
+  <p:clrMapOvr>
+    <a:masterClrMapping/>
+  </p:clrMapOvr>
+</p:sld>
+</file>
+
+<file path=ppt/slides/slide6.xml><?xml version="1.0" encoding="utf-8"?>
+<p:sld xmlns:a="http://schemas.openxmlformats.org/drawingml/2006/main" xmlns:r="http://schemas.openxmlformats.org/officeDocument/2006/relationships" xmlns:p="http://schemas.openxmlformats.org/presentationml/2006/main">
+  <p:cSld>
+    <p:spTree>
+      <p:nvGrpSpPr>
+        <p:cNvPr id="1" name=""/>
+        <p:cNvGrpSpPr/>
+        <p:nvPr/>
+      </p:nvGrpSpPr>
+      <p:grpSpPr>
+        <a:xfrm>
+          <a:off x="0" y="0"/>
+          <a:ext cx="0" cy="0"/>
+          <a:chOff x="0" y="0"/>
+          <a:chExt cx="0" cy="0"/>
+        </a:xfrm>
+      </p:grpSpPr>
+      <p:sp>
+        <p:nvSpPr>
+          <p:cNvPr id="6" name="Subtitle 2">
+            <a:extLst>
+              <a:ext uri="{FF2B5EF4-FFF2-40B4-BE49-F238E27FC236}">
+                <a16:creationId xmlns:a16="http://schemas.microsoft.com/office/drawing/2014/main" id="{6A9CF6F3-3190-0E5E-CF8C-D79291A880B0}"/>
+              </a:ext>
+            </a:extLst>
+          </p:cNvPr>
+          <p:cNvSpPr txBox="1">
+            <a:spLocks/>
+          </p:cNvSpPr>
+          <p:nvPr/>
+        </p:nvSpPr>
+        <p:spPr>
+          <a:xfrm>
+            <a:off x="288620" y="371367"/>
+            <a:ext cx="6152225" cy="571026"/>
+          </a:xfrm>
+          <a:prstGeom prst="rect">
+            <a:avLst/>
+          </a:prstGeom>
+        </p:spPr>
+        <p:txBody>
+          <a:bodyPr vert="horz" lIns="91440" tIns="45720" rIns="91440" bIns="45720" rtlCol="0">
+            <a:normAutofit/>
+          </a:bodyPr>
+          <a:lstStyle>
+            <a:lvl1pPr marL="228600" indent="-228600" algn="l" defTabSz="914400" rtl="0" eaLnBrk="1" latinLnBrk="0" hangingPunct="1">
+              <a:lnSpc>
+                <a:spcPct val="90000"/>
+              </a:lnSpc>
+              <a:spcBef>
+                <a:spcPts val="1000"/>
+              </a:spcBef>
+              <a:buFont typeface="Arial" panose="020B0604020202020204" pitchFamily="34" charset="0"/>
+              <a:buChar char="•"/>
+              <a:defRPr sz="2800" kern="1200">
+                <a:solidFill>
+                  <a:schemeClr val="tx1"/>
+                </a:solidFill>
+                <a:latin typeface="+mn-lt"/>
+                <a:ea typeface="+mn-ea"/>
+                <a:cs typeface="+mn-cs"/>
+              </a:defRPr>
+            </a:lvl1pPr>
+            <a:lvl2pPr marL="685800" indent="-228600" algn="l" defTabSz="914400" rtl="0" eaLnBrk="1" latinLnBrk="0" hangingPunct="1">
+              <a:lnSpc>
+                <a:spcPct val="90000"/>
+              </a:lnSpc>
+              <a:spcBef>
+                <a:spcPts val="500"/>
+              </a:spcBef>
+              <a:buFont typeface="Arial" panose="020B0604020202020204" pitchFamily="34" charset="0"/>
+              <a:buChar char="•"/>
+              <a:defRPr sz="2400" kern="1200">
+                <a:solidFill>
+                  <a:schemeClr val="tx1"/>
+                </a:solidFill>
+                <a:latin typeface="+mn-lt"/>
+                <a:ea typeface="+mn-ea"/>
+                <a:cs typeface="+mn-cs"/>
+              </a:defRPr>
+            </a:lvl2pPr>
+            <a:lvl3pPr marL="1143000" indent="-228600" algn="l" defTabSz="914400" rtl="0" eaLnBrk="1" latinLnBrk="0" hangingPunct="1">
+              <a:lnSpc>
+                <a:spcPct val="90000"/>
+              </a:lnSpc>
+              <a:spcBef>
+                <a:spcPts val="500"/>
+              </a:spcBef>
+              <a:buFont typeface="Arial" panose="020B0604020202020204" pitchFamily="34" charset="0"/>
+              <a:buChar char="•"/>
+              <a:defRPr sz="2000" kern="1200">
+                <a:solidFill>
+                  <a:schemeClr val="tx1"/>
+                </a:solidFill>
+                <a:latin typeface="+mn-lt"/>
+                <a:ea typeface="+mn-ea"/>
+                <a:cs typeface="+mn-cs"/>
+              </a:defRPr>
+            </a:lvl3pPr>
+            <a:lvl4pPr marL="1600200" indent="-228600" algn="l" defTabSz="914400" rtl="0" eaLnBrk="1" latinLnBrk="0" hangingPunct="1">
+              <a:lnSpc>
+                <a:spcPct val="90000"/>
+              </a:lnSpc>
+              <a:spcBef>
+                <a:spcPts val="500"/>
+              </a:spcBef>
+              <a:buFont typeface="Arial" panose="020B0604020202020204" pitchFamily="34" charset="0"/>
+              <a:buChar char="•"/>
+              <a:defRPr sz="1800" kern="1200">
+                <a:solidFill>
+                  <a:schemeClr val="tx1"/>
+                </a:solidFill>
+                <a:latin typeface="+mn-lt"/>
+                <a:ea typeface="+mn-ea"/>
+                <a:cs typeface="+mn-cs"/>
+              </a:defRPr>
+            </a:lvl4pPr>
+            <a:lvl5pPr marL="2057400" indent="-228600" algn="l" defTabSz="914400" rtl="0" eaLnBrk="1" latinLnBrk="0" hangingPunct="1">
+              <a:lnSpc>
+                <a:spcPct val="90000"/>
+              </a:lnSpc>
+              <a:spcBef>
+                <a:spcPts val="500"/>
+              </a:spcBef>
+              <a:buFont typeface="Arial" panose="020B0604020202020204" pitchFamily="34" charset="0"/>
+              <a:buChar char="•"/>
+              <a:defRPr sz="1800" kern="1200">
+                <a:solidFill>
+                  <a:schemeClr val="tx1"/>
+                </a:solidFill>
+                <a:latin typeface="+mn-lt"/>
+                <a:ea typeface="+mn-ea"/>
+                <a:cs typeface="+mn-cs"/>
+              </a:defRPr>
+            </a:lvl5pPr>
+            <a:lvl6pPr marL="2514600" indent="-228600" algn="l" defTabSz="914400" rtl="0" eaLnBrk="1" latinLnBrk="0" hangingPunct="1">
+              <a:lnSpc>
+                <a:spcPct val="90000"/>
+              </a:lnSpc>
+              <a:spcBef>
+                <a:spcPts val="500"/>
+              </a:spcBef>
+              <a:buFont typeface="Arial" panose="020B0604020202020204" pitchFamily="34" charset="0"/>
+              <a:buChar char="•"/>
+              <a:defRPr sz="1800" kern="1200">
+                <a:solidFill>
+                  <a:schemeClr val="tx1"/>
+                </a:solidFill>
+                <a:latin typeface="+mn-lt"/>
+                <a:ea typeface="+mn-ea"/>
+                <a:cs typeface="+mn-cs"/>
+              </a:defRPr>
+            </a:lvl6pPr>
+            <a:lvl7pPr marL="2971800" indent="-228600" algn="l" defTabSz="914400" rtl="0" eaLnBrk="1" latinLnBrk="0" hangingPunct="1">
+              <a:lnSpc>
+                <a:spcPct val="90000"/>
+              </a:lnSpc>
+              <a:spcBef>
+                <a:spcPts val="500"/>
+              </a:spcBef>
+              <a:buFont typeface="Arial" panose="020B0604020202020204" pitchFamily="34" charset="0"/>
+              <a:buChar char="•"/>
+              <a:defRPr sz="1800" kern="1200">
+                <a:solidFill>
+                  <a:schemeClr val="tx1"/>
+                </a:solidFill>
+                <a:latin typeface="+mn-lt"/>
+                <a:ea typeface="+mn-ea"/>
+                <a:cs typeface="+mn-cs"/>
+              </a:defRPr>
+            </a:lvl7pPr>
+            <a:lvl8pPr marL="3429000" indent="-228600" algn="l" defTabSz="914400" rtl="0" eaLnBrk="1" latinLnBrk="0" hangingPunct="1">
+              <a:lnSpc>
+                <a:spcPct val="90000"/>
+              </a:lnSpc>
+              <a:spcBef>
+                <a:spcPts val="500"/>
+              </a:spcBef>
+              <a:buFont typeface="Arial" panose="020B0604020202020204" pitchFamily="34" charset="0"/>
+              <a:buChar char="•"/>
+              <a:defRPr sz="1800" kern="1200">
+                <a:solidFill>
+                  <a:schemeClr val="tx1"/>
+                </a:solidFill>
+                <a:latin typeface="+mn-lt"/>
+                <a:ea typeface="+mn-ea"/>
+                <a:cs typeface="+mn-cs"/>
+              </a:defRPr>
+            </a:lvl8pPr>
+            <a:lvl9pPr marL="3886200" indent="-228600" algn="l" defTabSz="914400" rtl="0" eaLnBrk="1" latinLnBrk="0" hangingPunct="1">
+              <a:lnSpc>
+                <a:spcPct val="90000"/>
+              </a:lnSpc>
+              <a:spcBef>
+                <a:spcPts val="500"/>
+              </a:spcBef>
+              <a:buFont typeface="Arial" panose="020B0604020202020204" pitchFamily="34" charset="0"/>
+              <a:buChar char="•"/>
+              <a:defRPr sz="1800" kern="1200">
+                <a:solidFill>
+                  <a:schemeClr val="tx1"/>
+                </a:solidFill>
+                <a:latin typeface="+mn-lt"/>
+                <a:ea typeface="+mn-ea"/>
+                <a:cs typeface="+mn-cs"/>
+              </a:defRPr>
+            </a:lvl9pPr>
+          </a:lstStyle>
+          <a:p>
+            <a:pPr marL="0" indent="0">
+              <a:buNone/>
+            </a:pPr>
+            <a:r>
+              <a:rPr lang="es-ES" dirty="0">
+                <a:latin typeface="Franklin Gothic Demi" panose="020B0703020102020204" pitchFamily="34" charset="0"/>
+              </a:rPr>
+              <a:t>CAPACIDAD INSTALADA – PAÍS</a:t>
+            </a:r>
+          </a:p>
+        </p:txBody>
+      </p:sp>
+      <p:pic>
+        <p:nvPicPr>
+          <p:cNvPr id="12" name="Imagen 11">
+            <a:extLst>
+              <a:ext uri="{FF2B5EF4-FFF2-40B4-BE49-F238E27FC236}">
+                <a16:creationId xmlns:a16="http://schemas.microsoft.com/office/drawing/2014/main" id="{C9EDE1C3-6BEA-34F4-287F-297CB93D6FA0}"/>
+              </a:ext>
+            </a:extLst>
+          </p:cNvPr>
+          <p:cNvPicPr>
+            <a:picLocks noChangeAspect="1"/>
+          </p:cNvPicPr>
+          <p:nvPr/>
+        </p:nvPicPr>
+        <p:blipFill>
+          <a:blip r:embed="rId2"/>
+          <a:stretch>
+            <a:fillRect/>
+          </a:stretch>
+        </p:blipFill>
+        <p:spPr>
+          <a:xfrm>
+            <a:off x="0" y="1018834"/>
+            <a:ext cx="12192000" cy="4100486"/>
+          </a:xfrm>
+          <a:prstGeom prst="rect">
+            <a:avLst/>
+          </a:prstGeom>
+        </p:spPr>
+      </p:pic>
+    </p:spTree>
+    <p:extLst>
+      <p:ext uri="{BB962C8B-B14F-4D97-AF65-F5344CB8AC3E}">
+        <p14:creationId xmlns:p14="http://schemas.microsoft.com/office/powerpoint/2010/main" val="3721944086"/>
+      </p:ext>
+    </p:extLst>
+  </p:cSld>
+  <p:clrMapOvr>
+    <a:masterClrMapping/>
+  </p:clrMapOvr>
+</p:sld>
+</file>
+
+<file path=ppt/slides/slide7.xml><?xml version="1.0" encoding="utf-8"?>
+<p:sld xmlns:a="http://schemas.openxmlformats.org/drawingml/2006/main" xmlns:r="http://schemas.openxmlformats.org/officeDocument/2006/relationships" xmlns:p="http://schemas.openxmlformats.org/presentationml/2006/main">
+  <p:cSld>
+    <p:spTree>
+      <p:nvGrpSpPr>
+        <p:cNvPr id="1" name=""/>
+        <p:cNvGrpSpPr/>
+        <p:nvPr/>
+      </p:nvGrpSpPr>
+      <p:grpSpPr>
+        <a:xfrm>
+          <a:off x="0" y="0"/>
+          <a:ext cx="0" cy="0"/>
+          <a:chOff x="0" y="0"/>
+          <a:chExt cx="0" cy="0"/>
+        </a:xfrm>
+      </p:grpSpPr>
+      <p:pic>
+        <p:nvPicPr>
+          <p:cNvPr id="7" name="Imagen 6">
+            <a:extLst>
+              <a:ext uri="{FF2B5EF4-FFF2-40B4-BE49-F238E27FC236}">
+                <a16:creationId xmlns:a16="http://schemas.microsoft.com/office/drawing/2014/main" id="{5E218F1F-13DF-955C-703B-50BF8A6A036B}"/>
+              </a:ext>
+            </a:extLst>
+          </p:cNvPr>
+          <p:cNvPicPr>
+            <a:picLocks noChangeAspect="1"/>
+          </p:cNvPicPr>
+          <p:nvPr/>
+        </p:nvPicPr>
+        <p:blipFill>
+          <a:blip r:embed="rId3"/>
+          <a:stretch>
+            <a:fillRect/>
+          </a:stretch>
+        </p:blipFill>
+        <p:spPr>
+          <a:xfrm>
+            <a:off x="0" y="0"/>
+            <a:ext cx="7413477" cy="6858000"/>
+          </a:xfrm>
+          <a:prstGeom prst="rect">
+            <a:avLst/>
+          </a:prstGeom>
+        </p:spPr>
+      </p:pic>
+    </p:spTree>
+    <p:extLst>
+      <p:ext uri="{BB962C8B-B14F-4D97-AF65-F5344CB8AC3E}">
+        <p14:creationId xmlns:p14="http://schemas.microsoft.com/office/powerpoint/2010/main" val="4263191471"/>
       </p:ext>
     </p:extLst>
   </p:cSld>
@@ -3885,4 +5642,319 @@
     </a:ext>
   </a:extLst>
 </a:theme>
+</file>
+
+<file path=ppt/theme/theme2.xml><?xml version="1.0" encoding="utf-8"?>
+<a:theme xmlns:a="http://schemas.openxmlformats.org/drawingml/2006/main" name="Tema de Office">
+  <a:themeElements>
+    <a:clrScheme name="Office">
+      <a:dk1>
+        <a:sysClr val="windowText" lastClr="000000"/>
+      </a:dk1>
+      <a:lt1>
+        <a:sysClr val="window" lastClr="FFFFFF"/>
+      </a:lt1>
+      <a:dk2>
+        <a:srgbClr val="0E2841"/>
+      </a:dk2>
+      <a:lt2>
+        <a:srgbClr val="E8E8E8"/>
+      </a:lt2>
+      <a:accent1>
+        <a:srgbClr val="156082"/>
+      </a:accent1>
+      <a:accent2>
+        <a:srgbClr val="E97132"/>
+      </a:accent2>
+      <a:accent3>
+        <a:srgbClr val="196B24"/>
+      </a:accent3>
+      <a:accent4>
+        <a:srgbClr val="0F9ED5"/>
+      </a:accent4>
+      <a:accent5>
+        <a:srgbClr val="A02B93"/>
+      </a:accent5>
+      <a:accent6>
+        <a:srgbClr val="4EA72E"/>
+      </a:accent6>
+      <a:hlink>
+        <a:srgbClr val="467886"/>
+      </a:hlink>
+      <a:folHlink>
+        <a:srgbClr val="96607D"/>
+      </a:folHlink>
+    </a:clrScheme>
+    <a:fontScheme name="Office">
+      <a:majorFont>
+        <a:latin typeface="Aptos Display" panose="02110004020202020204"/>
+        <a:ea typeface=""/>
+        <a:cs typeface=""/>
+        <a:font script="Jpan" typeface="游ゴシック Light"/>
+        <a:font script="Hang" typeface="맑은 고딕"/>
+        <a:font script="Hans" typeface="等线 Light"/>
+        <a:font script="Hant" typeface="新細明體"/>
+        <a:font script="Arab" typeface="Times New Roman"/>
+        <a:font script="Hebr" typeface="Times New Roman"/>
+        <a:font script="Thai" typeface="Angsana New"/>
+        <a:font script="Ethi" typeface="Nyala"/>
+        <a:font script="Beng" typeface="Vrinda"/>
+        <a:font script="Gujr" typeface="Shruti"/>
+        <a:font script="Khmr" typeface="MoolBoran"/>
+        <a:font script="Knda" typeface="Tunga"/>
+        <a:font script="Guru" typeface="Raavi"/>
+        <a:font script="Cans" typeface="Euphemia"/>
+        <a:font script="Cher" typeface="Plantagenet Cherokee"/>
+        <a:font script="Yiii" typeface="Microsoft Yi Baiti"/>
+        <a:font script="Tibt" typeface="Microsoft Himalaya"/>
+        <a:font script="Thaa" typeface="MV Boli"/>
+        <a:font script="Deva" typeface="Mangal"/>
+        <a:font script="Telu" typeface="Gautami"/>
+        <a:font script="Taml" typeface="Latha"/>
+        <a:font script="Syrc" typeface="Estrangelo Edessa"/>
+        <a:font script="Orya" typeface="Kalinga"/>
+        <a:font script="Mlym" typeface="Kartika"/>
+        <a:font script="Laoo" typeface="DokChampa"/>
+        <a:font script="Sinh" typeface="Iskoola Pota"/>
+        <a:font script="Mong" typeface="Mongolian Baiti"/>
+        <a:font script="Viet" typeface="Times New Roman"/>
+        <a:font script="Uigh" typeface="Microsoft Uighur"/>
+        <a:font script="Geor" typeface="Sylfaen"/>
+        <a:font script="Armn" typeface="Arial"/>
+        <a:font script="Bugi" typeface="Leelawadee UI"/>
+        <a:font script="Bopo" typeface="Microsoft JhengHei"/>
+        <a:font script="Java" typeface="Javanese Text"/>
+        <a:font script="Lisu" typeface="Segoe UI"/>
+        <a:font script="Mymr" typeface="Myanmar Text"/>
+        <a:font script="Nkoo" typeface="Ebrima"/>
+        <a:font script="Olck" typeface="Nirmala UI"/>
+        <a:font script="Osma" typeface="Ebrima"/>
+        <a:font script="Phag" typeface="Phagspa"/>
+        <a:font script="Syrn" typeface="Estrangelo Edessa"/>
+        <a:font script="Syrj" typeface="Estrangelo Edessa"/>
+        <a:font script="Syre" typeface="Estrangelo Edessa"/>
+        <a:font script="Sora" typeface="Nirmala UI"/>
+        <a:font script="Tale" typeface="Microsoft Tai Le"/>
+        <a:font script="Talu" typeface="Microsoft New Tai Lue"/>
+        <a:font script="Tfng" typeface="Ebrima"/>
+      </a:majorFont>
+      <a:minorFont>
+        <a:latin typeface="Aptos" panose="02110004020202020204"/>
+        <a:ea typeface=""/>
+        <a:cs typeface=""/>
+        <a:font script="Jpan" typeface="游ゴシック"/>
+        <a:font script="Hang" typeface="맑은 고딕"/>
+        <a:font script="Hans" typeface="等线"/>
+        <a:font script="Hant" typeface="新細明體"/>
+        <a:font script="Arab" typeface="Arial"/>
+        <a:font script="Hebr" typeface="Arial"/>
+        <a:font script="Thai" typeface="Cordia New"/>
+        <a:font script="Ethi" typeface="Nyala"/>
+        <a:font script="Beng" typeface="Vrinda"/>
+        <a:font script="Gujr" typeface="Shruti"/>
+        <a:font script="Khmr" typeface="DaunPenh"/>
+        <a:font script="Knda" typeface="Tunga"/>
+        <a:font script="Guru" typeface="Raavi"/>
+        <a:font script="Cans" typeface="Euphemia"/>
+        <a:font script="Cher" typeface="Plantagenet Cherokee"/>
+        <a:font script="Yiii" typeface="Microsoft Yi Baiti"/>
+        <a:font script="Tibt" typeface="Microsoft Himalaya"/>
+        <a:font script="Thaa" typeface="MV Boli"/>
+        <a:font script="Deva" typeface="Mangal"/>
+        <a:font script="Telu" typeface="Gautami"/>
+        <a:font script="Taml" typeface="Latha"/>
+        <a:font script="Syrc" typeface="Estrangelo Edessa"/>
+        <a:font script="Orya" typeface="Kalinga"/>
+        <a:font script="Mlym" typeface="Kartika"/>
+        <a:font script="Laoo" typeface="DokChampa"/>
+        <a:font script="Sinh" typeface="Iskoola Pota"/>
+        <a:font script="Mong" typeface="Mongolian Baiti"/>
+        <a:font script="Viet" typeface="Arial"/>
+        <a:font script="Uigh" typeface="Microsoft Uighur"/>
+        <a:font script="Geor" typeface="Sylfaen"/>
+        <a:font script="Armn" typeface="Arial"/>
+        <a:font script="Bugi" typeface="Leelawadee UI"/>
+        <a:font script="Bopo" typeface="Microsoft JhengHei"/>
+        <a:font script="Java" typeface="Javanese Text"/>
+        <a:font script="Lisu" typeface="Segoe UI"/>
+        <a:font script="Mymr" typeface="Myanmar Text"/>
+        <a:font script="Nkoo" typeface="Ebrima"/>
+        <a:font script="Olck" typeface="Nirmala UI"/>
+        <a:font script="Osma" typeface="Ebrima"/>
+        <a:font script="Phag" typeface="Phagspa"/>
+        <a:font script="Syrn" typeface="Estrangelo Edessa"/>
+        <a:font script="Syrj" typeface="Estrangelo Edessa"/>
+        <a:font script="Syre" typeface="Estrangelo Edessa"/>
+        <a:font script="Sora" typeface="Nirmala UI"/>
+        <a:font script="Tale" typeface="Microsoft Tai Le"/>
+        <a:font script="Talu" typeface="Microsoft New Tai Lue"/>
+        <a:font script="Tfng" typeface="Ebrima"/>
+      </a:minorFont>
+    </a:fontScheme>
+    <a:fmtScheme name="Office">
+      <a:fillStyleLst>
+        <a:solidFill>
+          <a:schemeClr val="phClr"/>
+        </a:solidFill>
+        <a:gradFill rotWithShape="1">
+          <a:gsLst>
+            <a:gs pos="0">
+              <a:schemeClr val="phClr">
+                <a:lumMod val="110000"/>
+                <a:satMod val="105000"/>
+                <a:tint val="67000"/>
+              </a:schemeClr>
+            </a:gs>
+            <a:gs pos="50000">
+              <a:schemeClr val="phClr">
+                <a:lumMod val="105000"/>
+                <a:satMod val="103000"/>
+                <a:tint val="73000"/>
+              </a:schemeClr>
+            </a:gs>
+            <a:gs pos="100000">
+              <a:schemeClr val="phClr">
+                <a:lumMod val="105000"/>
+                <a:satMod val="109000"/>
+                <a:tint val="81000"/>
+              </a:schemeClr>
+            </a:gs>
+          </a:gsLst>
+          <a:lin ang="5400000" scaled="0"/>
+        </a:gradFill>
+        <a:gradFill rotWithShape="1">
+          <a:gsLst>
+            <a:gs pos="0">
+              <a:schemeClr val="phClr">
+                <a:satMod val="103000"/>
+                <a:lumMod val="102000"/>
+                <a:tint val="94000"/>
+              </a:schemeClr>
+            </a:gs>
+            <a:gs pos="50000">
+              <a:schemeClr val="phClr">
+                <a:satMod val="110000"/>
+                <a:lumMod val="100000"/>
+                <a:shade val="100000"/>
+              </a:schemeClr>
+            </a:gs>
+            <a:gs pos="100000">
+              <a:schemeClr val="phClr">
+                <a:lumMod val="99000"/>
+                <a:satMod val="120000"/>
+                <a:shade val="78000"/>
+              </a:schemeClr>
+            </a:gs>
+          </a:gsLst>
+          <a:lin ang="5400000" scaled="0"/>
+        </a:gradFill>
+      </a:fillStyleLst>
+      <a:lnStyleLst>
+        <a:ln w="12700" cap="flat" cmpd="sng" algn="ctr">
+          <a:solidFill>
+            <a:schemeClr val="phClr"/>
+          </a:solidFill>
+          <a:prstDash val="solid"/>
+          <a:miter lim="800000"/>
+        </a:ln>
+        <a:ln w="19050" cap="flat" cmpd="sng" algn="ctr">
+          <a:solidFill>
+            <a:schemeClr val="phClr"/>
+          </a:solidFill>
+          <a:prstDash val="solid"/>
+          <a:miter lim="800000"/>
+        </a:ln>
+        <a:ln w="25400" cap="flat" cmpd="sng" algn="ctr">
+          <a:solidFill>
+            <a:schemeClr val="phClr"/>
+          </a:solidFill>
+          <a:prstDash val="solid"/>
+          <a:miter lim="800000"/>
+        </a:ln>
+      </a:lnStyleLst>
+      <a:effectStyleLst>
+        <a:effectStyle>
+          <a:effectLst/>
+        </a:effectStyle>
+        <a:effectStyle>
+          <a:effectLst/>
+        </a:effectStyle>
+        <a:effectStyle>
+          <a:effectLst>
+            <a:outerShdw blurRad="57150" dist="19050" dir="5400000" algn="ctr" rotWithShape="0">
+              <a:srgbClr val="000000">
+                <a:alpha val="63000"/>
+              </a:srgbClr>
+            </a:outerShdw>
+          </a:effectLst>
+        </a:effectStyle>
+      </a:effectStyleLst>
+      <a:bgFillStyleLst>
+        <a:solidFill>
+          <a:schemeClr val="phClr"/>
+        </a:solidFill>
+        <a:solidFill>
+          <a:schemeClr val="phClr">
+            <a:tint val="95000"/>
+            <a:satMod val="170000"/>
+          </a:schemeClr>
+        </a:solidFill>
+        <a:gradFill rotWithShape="1">
+          <a:gsLst>
+            <a:gs pos="0">
+              <a:schemeClr val="phClr">
+                <a:tint val="93000"/>
+                <a:satMod val="150000"/>
+                <a:shade val="98000"/>
+                <a:lumMod val="102000"/>
+              </a:schemeClr>
+            </a:gs>
+            <a:gs pos="50000">
+              <a:schemeClr val="phClr">
+                <a:tint val="98000"/>
+                <a:satMod val="130000"/>
+                <a:shade val="90000"/>
+                <a:lumMod val="103000"/>
+              </a:schemeClr>
+            </a:gs>
+            <a:gs pos="100000">
+              <a:schemeClr val="phClr">
+                <a:shade val="63000"/>
+                <a:satMod val="120000"/>
+              </a:schemeClr>
+            </a:gs>
+          </a:gsLst>
+          <a:lin ang="5400000" scaled="0"/>
+        </a:gradFill>
+      </a:bgFillStyleLst>
+    </a:fmtScheme>
+  </a:themeElements>
+  <a:objectDefaults>
+    <a:lnDef>
+      <a:spPr/>
+      <a:bodyPr/>
+      <a:lstStyle/>
+      <a:style>
+        <a:lnRef idx="2">
+          <a:schemeClr val="accent1"/>
+        </a:lnRef>
+        <a:fillRef idx="0">
+          <a:schemeClr val="accent1"/>
+        </a:fillRef>
+        <a:effectRef idx="1">
+          <a:schemeClr val="accent1"/>
+        </a:effectRef>
+        <a:fontRef idx="minor">
+          <a:schemeClr val="tx1"/>
+        </a:fontRef>
+      </a:style>
+    </a:lnDef>
+  </a:objectDefaults>
+  <a:extraClrSchemeLst/>
+  <a:extLst>
+    <a:ext uri="{05A4C25C-085E-4340-85A3-A5531E510DB2}">
+      <thm15:themeFamily xmlns:thm15="http://schemas.microsoft.com/office/thememl/2012/main" name="Office Theme" id="{2E142A2C-CD16-42D6-873A-C26D2A0506FA}" vid="{1BDDFF52-6CD6-40A5-AB3C-68EB2F1E4D0A}"/>
+    </a:ext>
+  </a:extLst>
+</a:theme>
 </file>